--- a/docs/中期检查.pptx
+++ b/docs/中期检查.pptx
@@ -1,21 +1,27 @@
 
 <file path=ppt/presentation.xml><?xml version="1.0" encoding="utf-8"?>
-<p:presentation xmlns:a="http://schemas.openxmlformats.org/drawingml/2006/main" xmlns:r="http://schemas.openxmlformats.org/officeDocument/2006/relationships" xmlns:p="http://schemas.openxmlformats.org/presentationml/2006/main" saveSubsetFonts="1">
+<p:presentation xmlns:a="http://schemas.openxmlformats.org/drawingml/2006/main" xmlns:r="http://schemas.openxmlformats.org/officeDocument/2006/relationships" xmlns:p="http://schemas.openxmlformats.org/presentationml/2006/main">
   <p:sldMasterIdLst>
     <p:sldMasterId id="2147483648" r:id="rId1"/>
   </p:sldMasterIdLst>
   <p:sldIdLst>
-    <p:sldId id="256" r:id="rId2"/>
-    <p:sldId id="257" r:id="rId3"/>
-    <p:sldId id="258" r:id="rId4"/>
-    <p:sldId id="259" r:id="rId5"/>
-    <p:sldId id="261" r:id="rId6"/>
-    <p:sldId id="262" r:id="rId7"/>
-    <p:sldId id="263" r:id="rId8"/>
-    <p:sldId id="260" r:id="rId9"/>
+    <p:sldId id="256" r:id="rId3"/>
+    <p:sldId id="257" r:id="rId4"/>
+    <p:sldId id="258" r:id="rId5"/>
+    <p:sldId id="259" r:id="rId6"/>
+    <p:sldId id="261" r:id="rId7"/>
+    <p:sldId id="262" r:id="rId8"/>
+    <p:sldId id="263" r:id="rId9"/>
+    <p:sldId id="265" r:id="rId10"/>
+    <p:sldId id="266" r:id="rId11"/>
+    <p:sldId id="267" r:id="rId12"/>
+    <p:sldId id="260" r:id="rId13"/>
   </p:sldIdLst>
   <p:sldSz cx="12192000" cy="6858000"/>
   <p:notesSz cx="6858000" cy="9144000"/>
+  <p:custDataLst>
+    <p:tags r:id="rId17"/>
+  </p:custDataLst>
   <p:defaultTextStyle>
     <a:defPPr>
       <a:defRPr lang="zh-CN"/>
@@ -133,13 +139,7 @@
       </p:grpSpPr>
       <p:sp>
         <p:nvSpPr>
-          <p:cNvPr id="2" name="标题 1">
-            <a:extLst>
-              <a:ext uri="{FF2B5EF4-FFF2-40B4-BE49-F238E27FC236}">
-                <a16:creationId xmlns:a16="http://schemas.microsoft.com/office/drawing/2014/main" id="{ECE8D68A-C4F6-4401-B14A-346E54BDA82C}"/>
-              </a:ext>
-            </a:extLst>
-          </p:cNvPr>
+          <p:cNvPr id="2" name="标题 1"/>
           <p:cNvSpPr>
             <a:spLocks noGrp="1"/>
           </p:cNvSpPr>
@@ -165,18 +165,13 @@
               <a:rPr lang="zh-CN" altLang="en-US"/>
               <a:t>单击此处编辑母版标题样式</a:t>
             </a:r>
-          </a:p>
-        </p:txBody>
-      </p:sp>
-      <p:sp>
-        <p:nvSpPr>
-          <p:cNvPr id="3" name="副标题 2">
-            <a:extLst>
-              <a:ext uri="{FF2B5EF4-FFF2-40B4-BE49-F238E27FC236}">
-                <a16:creationId xmlns:a16="http://schemas.microsoft.com/office/drawing/2014/main" id="{80D3F3F7-78FF-4731-B8F0-D16C86612942}"/>
-              </a:ext>
-            </a:extLst>
-          </p:cNvPr>
+            <a:endParaRPr lang="zh-CN" altLang="en-US"/>
+          </a:p>
+        </p:txBody>
+      </p:sp>
+      <p:sp>
+        <p:nvSpPr>
+          <p:cNvPr id="3" name="副标题 2"/>
           <p:cNvSpPr>
             <a:spLocks noGrp="1"/>
           </p:cNvSpPr>
@@ -235,18 +230,13 @@
               <a:rPr lang="zh-CN" altLang="en-US"/>
               <a:t>单击此处编辑母版副标题样式</a:t>
             </a:r>
-          </a:p>
-        </p:txBody>
-      </p:sp>
-      <p:sp>
-        <p:nvSpPr>
-          <p:cNvPr id="4" name="日期占位符 3">
-            <a:extLst>
-              <a:ext uri="{FF2B5EF4-FFF2-40B4-BE49-F238E27FC236}">
-                <a16:creationId xmlns:a16="http://schemas.microsoft.com/office/drawing/2014/main" id="{B0DAF7EF-BC97-4F9B-AD29-8D0CA2A49D10}"/>
-              </a:ext>
-            </a:extLst>
-          </p:cNvPr>
+            <a:endParaRPr lang="zh-CN" altLang="en-US"/>
+          </a:p>
+        </p:txBody>
+      </p:sp>
+      <p:sp>
+        <p:nvSpPr>
+          <p:cNvPr id="4" name="日期占位符 3"/>
           <p:cNvSpPr>
             <a:spLocks noGrp="1"/>
           </p:cNvSpPr>
@@ -261,7 +251,6 @@
           <a:p>
             <a:fld id="{FF1902EF-ED24-4827-A18D-78C12B26B797}" type="datetimeFigureOut">
               <a:rPr lang="zh-CN" altLang="en-US" smtClean="0"/>
-              <a:t>2024/4/19</a:t>
             </a:fld>
             <a:endParaRPr lang="zh-CN" altLang="en-US"/>
           </a:p>
@@ -269,13 +258,7 @@
       </p:sp>
       <p:sp>
         <p:nvSpPr>
-          <p:cNvPr id="5" name="页脚占位符 4">
-            <a:extLst>
-              <a:ext uri="{FF2B5EF4-FFF2-40B4-BE49-F238E27FC236}">
-                <a16:creationId xmlns:a16="http://schemas.microsoft.com/office/drawing/2014/main" id="{37C94BAB-BEFA-40A6-BBF7-4EB645D61A41}"/>
-              </a:ext>
-            </a:extLst>
-          </p:cNvPr>
+          <p:cNvPr id="5" name="页脚占位符 4"/>
           <p:cNvSpPr>
             <a:spLocks noGrp="1"/>
           </p:cNvSpPr>
@@ -294,13 +277,7 @@
       </p:sp>
       <p:sp>
         <p:nvSpPr>
-          <p:cNvPr id="6" name="灯片编号占位符 5">
-            <a:extLst>
-              <a:ext uri="{FF2B5EF4-FFF2-40B4-BE49-F238E27FC236}">
-                <a16:creationId xmlns:a16="http://schemas.microsoft.com/office/drawing/2014/main" id="{F9BF5E13-FC3A-450F-B8F6-1AB5134C2855}"/>
-              </a:ext>
-            </a:extLst>
-          </p:cNvPr>
+          <p:cNvPr id="6" name="灯片编号占位符 5"/>
           <p:cNvSpPr>
             <a:spLocks noGrp="1"/>
           </p:cNvSpPr>
@@ -315,18 +292,12 @@
           <a:p>
             <a:fld id="{4DEFA10B-0570-45E6-BDDD-D60595434BE7}" type="slidenum">
               <a:rPr lang="zh-CN" altLang="en-US" smtClean="0"/>
-              <a:t>‹#›</a:t>
             </a:fld>
             <a:endParaRPr lang="zh-CN" altLang="en-US"/>
           </a:p>
         </p:txBody>
       </p:sp>
     </p:spTree>
-    <p:extLst>
-      <p:ext uri="{BB962C8B-B14F-4D97-AF65-F5344CB8AC3E}">
-        <p14:creationId xmlns:p14="http://schemas.microsoft.com/office/powerpoint/2010/main" val="2927107186"/>
-      </p:ext>
-    </p:extLst>
   </p:cSld>
   <p:clrMapOvr>
     <a:masterClrMapping/>
@@ -353,13 +324,7 @@
       </p:grpSpPr>
       <p:sp>
         <p:nvSpPr>
-          <p:cNvPr id="2" name="标题 1">
-            <a:extLst>
-              <a:ext uri="{FF2B5EF4-FFF2-40B4-BE49-F238E27FC236}">
-                <a16:creationId xmlns:a16="http://schemas.microsoft.com/office/drawing/2014/main" id="{F98FDB56-F5EE-488B-A625-784760A73FDF}"/>
-              </a:ext>
-            </a:extLst>
-          </p:cNvPr>
+          <p:cNvPr id="2" name="标题 1"/>
           <p:cNvSpPr>
             <a:spLocks noGrp="1"/>
           </p:cNvSpPr>
@@ -376,18 +341,13 @@
               <a:rPr lang="zh-CN" altLang="en-US"/>
               <a:t>单击此处编辑母版标题样式</a:t>
             </a:r>
-          </a:p>
-        </p:txBody>
-      </p:sp>
-      <p:sp>
-        <p:nvSpPr>
-          <p:cNvPr id="3" name="竖排文字占位符 2">
-            <a:extLst>
-              <a:ext uri="{FF2B5EF4-FFF2-40B4-BE49-F238E27FC236}">
-                <a16:creationId xmlns:a16="http://schemas.microsoft.com/office/drawing/2014/main" id="{C18184C3-4228-4F23-B75F-BCF221EF722E}"/>
-              </a:ext>
-            </a:extLst>
-          </p:cNvPr>
+            <a:endParaRPr lang="zh-CN" altLang="en-US"/>
+          </a:p>
+        </p:txBody>
+      </p:sp>
+      <p:sp>
+        <p:nvSpPr>
+          <p:cNvPr id="3" name="竖排文字占位符 2"/>
           <p:cNvSpPr>
             <a:spLocks noGrp="1"/>
           </p:cNvSpPr>
@@ -405,6 +365,7 @@
               <a:rPr lang="zh-CN" altLang="en-US"/>
               <a:t>单击此处编辑母版文本样式</a:t>
             </a:r>
+            <a:endParaRPr lang="zh-CN" altLang="en-US"/>
           </a:p>
           <a:p>
             <a:pPr lvl="1"/>
@@ -412,6 +373,7 @@
               <a:rPr lang="zh-CN" altLang="en-US"/>
               <a:t>二级</a:t>
             </a:r>
+            <a:endParaRPr lang="zh-CN" altLang="en-US"/>
           </a:p>
           <a:p>
             <a:pPr lvl="2"/>
@@ -419,6 +381,7 @@
               <a:rPr lang="zh-CN" altLang="en-US"/>
               <a:t>三级</a:t>
             </a:r>
+            <a:endParaRPr lang="zh-CN" altLang="en-US"/>
           </a:p>
           <a:p>
             <a:pPr lvl="3"/>
@@ -426,6 +389,7 @@
               <a:rPr lang="zh-CN" altLang="en-US"/>
               <a:t>四级</a:t>
             </a:r>
+            <a:endParaRPr lang="zh-CN" altLang="en-US"/>
           </a:p>
           <a:p>
             <a:pPr lvl="4"/>
@@ -433,18 +397,13 @@
               <a:rPr lang="zh-CN" altLang="en-US"/>
               <a:t>五级</a:t>
             </a:r>
-          </a:p>
-        </p:txBody>
-      </p:sp>
-      <p:sp>
-        <p:nvSpPr>
-          <p:cNvPr id="4" name="日期占位符 3">
-            <a:extLst>
-              <a:ext uri="{FF2B5EF4-FFF2-40B4-BE49-F238E27FC236}">
-                <a16:creationId xmlns:a16="http://schemas.microsoft.com/office/drawing/2014/main" id="{0388B133-CD5B-46EE-9334-E8B2BAA6EADA}"/>
-              </a:ext>
-            </a:extLst>
-          </p:cNvPr>
+            <a:endParaRPr lang="zh-CN" altLang="en-US"/>
+          </a:p>
+        </p:txBody>
+      </p:sp>
+      <p:sp>
+        <p:nvSpPr>
+          <p:cNvPr id="4" name="日期占位符 3"/>
           <p:cNvSpPr>
             <a:spLocks noGrp="1"/>
           </p:cNvSpPr>
@@ -459,7 +418,6 @@
           <a:p>
             <a:fld id="{FF1902EF-ED24-4827-A18D-78C12B26B797}" type="datetimeFigureOut">
               <a:rPr lang="zh-CN" altLang="en-US" smtClean="0"/>
-              <a:t>2024/4/19</a:t>
             </a:fld>
             <a:endParaRPr lang="zh-CN" altLang="en-US"/>
           </a:p>
@@ -467,13 +425,7 @@
       </p:sp>
       <p:sp>
         <p:nvSpPr>
-          <p:cNvPr id="5" name="页脚占位符 4">
-            <a:extLst>
-              <a:ext uri="{FF2B5EF4-FFF2-40B4-BE49-F238E27FC236}">
-                <a16:creationId xmlns:a16="http://schemas.microsoft.com/office/drawing/2014/main" id="{E42D913E-E8C9-4223-8A65-280B209598AD}"/>
-              </a:ext>
-            </a:extLst>
-          </p:cNvPr>
+          <p:cNvPr id="5" name="页脚占位符 4"/>
           <p:cNvSpPr>
             <a:spLocks noGrp="1"/>
           </p:cNvSpPr>
@@ -492,13 +444,7 @@
       </p:sp>
       <p:sp>
         <p:nvSpPr>
-          <p:cNvPr id="6" name="灯片编号占位符 5">
-            <a:extLst>
-              <a:ext uri="{FF2B5EF4-FFF2-40B4-BE49-F238E27FC236}">
-                <a16:creationId xmlns:a16="http://schemas.microsoft.com/office/drawing/2014/main" id="{BF5874E7-8F6B-44BE-A765-F3EB1D948B2E}"/>
-              </a:ext>
-            </a:extLst>
-          </p:cNvPr>
+          <p:cNvPr id="6" name="灯片编号占位符 5"/>
           <p:cNvSpPr>
             <a:spLocks noGrp="1"/>
           </p:cNvSpPr>
@@ -513,18 +459,12 @@
           <a:p>
             <a:fld id="{4DEFA10B-0570-45E6-BDDD-D60595434BE7}" type="slidenum">
               <a:rPr lang="zh-CN" altLang="en-US" smtClean="0"/>
-              <a:t>‹#›</a:t>
             </a:fld>
             <a:endParaRPr lang="zh-CN" altLang="en-US"/>
           </a:p>
         </p:txBody>
       </p:sp>
     </p:spTree>
-    <p:extLst>
-      <p:ext uri="{BB962C8B-B14F-4D97-AF65-F5344CB8AC3E}">
-        <p14:creationId xmlns:p14="http://schemas.microsoft.com/office/powerpoint/2010/main" val="1025325464"/>
-      </p:ext>
-    </p:extLst>
   </p:cSld>
   <p:clrMapOvr>
     <a:masterClrMapping/>
@@ -551,13 +491,7 @@
       </p:grpSpPr>
       <p:sp>
         <p:nvSpPr>
-          <p:cNvPr id="2" name="竖排标题 1">
-            <a:extLst>
-              <a:ext uri="{FF2B5EF4-FFF2-40B4-BE49-F238E27FC236}">
-                <a16:creationId xmlns:a16="http://schemas.microsoft.com/office/drawing/2014/main" id="{C59A8055-CDDC-4253-86DA-F47AFE372DA2}"/>
-              </a:ext>
-            </a:extLst>
-          </p:cNvPr>
+          <p:cNvPr id="2" name="竖排标题 1"/>
           <p:cNvSpPr>
             <a:spLocks noGrp="1"/>
           </p:cNvSpPr>
@@ -579,18 +513,13 @@
               <a:rPr lang="zh-CN" altLang="en-US"/>
               <a:t>单击此处编辑母版标题样式</a:t>
             </a:r>
-          </a:p>
-        </p:txBody>
-      </p:sp>
-      <p:sp>
-        <p:nvSpPr>
-          <p:cNvPr id="3" name="竖排文字占位符 2">
-            <a:extLst>
-              <a:ext uri="{FF2B5EF4-FFF2-40B4-BE49-F238E27FC236}">
-                <a16:creationId xmlns:a16="http://schemas.microsoft.com/office/drawing/2014/main" id="{41E17C1A-44A3-450F-AADF-E95367AD6BE7}"/>
-              </a:ext>
-            </a:extLst>
-          </p:cNvPr>
+            <a:endParaRPr lang="zh-CN" altLang="en-US"/>
+          </a:p>
+        </p:txBody>
+      </p:sp>
+      <p:sp>
+        <p:nvSpPr>
+          <p:cNvPr id="3" name="竖排文字占位符 2"/>
           <p:cNvSpPr>
             <a:spLocks noGrp="1"/>
           </p:cNvSpPr>
@@ -613,6 +542,7 @@
               <a:rPr lang="zh-CN" altLang="en-US"/>
               <a:t>单击此处编辑母版文本样式</a:t>
             </a:r>
+            <a:endParaRPr lang="zh-CN" altLang="en-US"/>
           </a:p>
           <a:p>
             <a:pPr lvl="1"/>
@@ -620,6 +550,7 @@
               <a:rPr lang="zh-CN" altLang="en-US"/>
               <a:t>二级</a:t>
             </a:r>
+            <a:endParaRPr lang="zh-CN" altLang="en-US"/>
           </a:p>
           <a:p>
             <a:pPr lvl="2"/>
@@ -627,6 +558,7 @@
               <a:rPr lang="zh-CN" altLang="en-US"/>
               <a:t>三级</a:t>
             </a:r>
+            <a:endParaRPr lang="zh-CN" altLang="en-US"/>
           </a:p>
           <a:p>
             <a:pPr lvl="3"/>
@@ -634,6 +566,7 @@
               <a:rPr lang="zh-CN" altLang="en-US"/>
               <a:t>四级</a:t>
             </a:r>
+            <a:endParaRPr lang="zh-CN" altLang="en-US"/>
           </a:p>
           <a:p>
             <a:pPr lvl="4"/>
@@ -641,18 +574,13 @@
               <a:rPr lang="zh-CN" altLang="en-US"/>
               <a:t>五级</a:t>
             </a:r>
-          </a:p>
-        </p:txBody>
-      </p:sp>
-      <p:sp>
-        <p:nvSpPr>
-          <p:cNvPr id="4" name="日期占位符 3">
-            <a:extLst>
-              <a:ext uri="{FF2B5EF4-FFF2-40B4-BE49-F238E27FC236}">
-                <a16:creationId xmlns:a16="http://schemas.microsoft.com/office/drawing/2014/main" id="{B362156D-9271-4090-85F4-2A50E92FC5B1}"/>
-              </a:ext>
-            </a:extLst>
-          </p:cNvPr>
+            <a:endParaRPr lang="zh-CN" altLang="en-US"/>
+          </a:p>
+        </p:txBody>
+      </p:sp>
+      <p:sp>
+        <p:nvSpPr>
+          <p:cNvPr id="4" name="日期占位符 3"/>
           <p:cNvSpPr>
             <a:spLocks noGrp="1"/>
           </p:cNvSpPr>
@@ -667,7 +595,6 @@
           <a:p>
             <a:fld id="{FF1902EF-ED24-4827-A18D-78C12B26B797}" type="datetimeFigureOut">
               <a:rPr lang="zh-CN" altLang="en-US" smtClean="0"/>
-              <a:t>2024/4/19</a:t>
             </a:fld>
             <a:endParaRPr lang="zh-CN" altLang="en-US"/>
           </a:p>
@@ -675,13 +602,7 @@
       </p:sp>
       <p:sp>
         <p:nvSpPr>
-          <p:cNvPr id="5" name="页脚占位符 4">
-            <a:extLst>
-              <a:ext uri="{FF2B5EF4-FFF2-40B4-BE49-F238E27FC236}">
-                <a16:creationId xmlns:a16="http://schemas.microsoft.com/office/drawing/2014/main" id="{7E0CDF56-C6BE-456F-864C-0D80372ED468}"/>
-              </a:ext>
-            </a:extLst>
-          </p:cNvPr>
+          <p:cNvPr id="5" name="页脚占位符 4"/>
           <p:cNvSpPr>
             <a:spLocks noGrp="1"/>
           </p:cNvSpPr>
@@ -700,13 +621,7 @@
       </p:sp>
       <p:sp>
         <p:nvSpPr>
-          <p:cNvPr id="6" name="灯片编号占位符 5">
-            <a:extLst>
-              <a:ext uri="{FF2B5EF4-FFF2-40B4-BE49-F238E27FC236}">
-                <a16:creationId xmlns:a16="http://schemas.microsoft.com/office/drawing/2014/main" id="{E66E958F-D113-4413-B4D8-3F0751004F2C}"/>
-              </a:ext>
-            </a:extLst>
-          </p:cNvPr>
+          <p:cNvPr id="6" name="灯片编号占位符 5"/>
           <p:cNvSpPr>
             <a:spLocks noGrp="1"/>
           </p:cNvSpPr>
@@ -721,18 +636,12 @@
           <a:p>
             <a:fld id="{4DEFA10B-0570-45E6-BDDD-D60595434BE7}" type="slidenum">
               <a:rPr lang="zh-CN" altLang="en-US" smtClean="0"/>
-              <a:t>‹#›</a:t>
             </a:fld>
             <a:endParaRPr lang="zh-CN" altLang="en-US"/>
           </a:p>
         </p:txBody>
       </p:sp>
     </p:spTree>
-    <p:extLst>
-      <p:ext uri="{BB962C8B-B14F-4D97-AF65-F5344CB8AC3E}">
-        <p14:creationId xmlns:p14="http://schemas.microsoft.com/office/powerpoint/2010/main" val="3626530495"/>
-      </p:ext>
-    </p:extLst>
   </p:cSld>
   <p:clrMapOvr>
     <a:masterClrMapping/>
@@ -759,13 +668,7 @@
       </p:grpSpPr>
       <p:sp>
         <p:nvSpPr>
-          <p:cNvPr id="2" name="标题 1">
-            <a:extLst>
-              <a:ext uri="{FF2B5EF4-FFF2-40B4-BE49-F238E27FC236}">
-                <a16:creationId xmlns:a16="http://schemas.microsoft.com/office/drawing/2014/main" id="{60916678-862E-4612-8DDF-EF4236682D56}"/>
-              </a:ext>
-            </a:extLst>
-          </p:cNvPr>
+          <p:cNvPr id="2" name="标题 1"/>
           <p:cNvSpPr>
             <a:spLocks noGrp="1"/>
           </p:cNvSpPr>
@@ -782,18 +685,13 @@
               <a:rPr lang="zh-CN" altLang="en-US"/>
               <a:t>单击此处编辑母版标题样式</a:t>
             </a:r>
-          </a:p>
-        </p:txBody>
-      </p:sp>
-      <p:sp>
-        <p:nvSpPr>
-          <p:cNvPr id="3" name="内容占位符 2">
-            <a:extLst>
-              <a:ext uri="{FF2B5EF4-FFF2-40B4-BE49-F238E27FC236}">
-                <a16:creationId xmlns:a16="http://schemas.microsoft.com/office/drawing/2014/main" id="{A0832B6E-760F-4A8E-B764-0B042A83B516}"/>
-              </a:ext>
-            </a:extLst>
-          </p:cNvPr>
+            <a:endParaRPr lang="zh-CN" altLang="en-US"/>
+          </a:p>
+        </p:txBody>
+      </p:sp>
+      <p:sp>
+        <p:nvSpPr>
+          <p:cNvPr id="3" name="内容占位符 2"/>
           <p:cNvSpPr>
             <a:spLocks noGrp="1"/>
           </p:cNvSpPr>
@@ -811,6 +709,7 @@
               <a:rPr lang="zh-CN" altLang="en-US"/>
               <a:t>单击此处编辑母版文本样式</a:t>
             </a:r>
+            <a:endParaRPr lang="zh-CN" altLang="en-US"/>
           </a:p>
           <a:p>
             <a:pPr lvl="1"/>
@@ -818,6 +717,7 @@
               <a:rPr lang="zh-CN" altLang="en-US"/>
               <a:t>二级</a:t>
             </a:r>
+            <a:endParaRPr lang="zh-CN" altLang="en-US"/>
           </a:p>
           <a:p>
             <a:pPr lvl="2"/>
@@ -825,6 +725,7 @@
               <a:rPr lang="zh-CN" altLang="en-US"/>
               <a:t>三级</a:t>
             </a:r>
+            <a:endParaRPr lang="zh-CN" altLang="en-US"/>
           </a:p>
           <a:p>
             <a:pPr lvl="3"/>
@@ -832,6 +733,7 @@
               <a:rPr lang="zh-CN" altLang="en-US"/>
               <a:t>四级</a:t>
             </a:r>
+            <a:endParaRPr lang="zh-CN" altLang="en-US"/>
           </a:p>
           <a:p>
             <a:pPr lvl="4"/>
@@ -839,18 +741,13 @@
               <a:rPr lang="zh-CN" altLang="en-US"/>
               <a:t>五级</a:t>
             </a:r>
-          </a:p>
-        </p:txBody>
-      </p:sp>
-      <p:sp>
-        <p:nvSpPr>
-          <p:cNvPr id="4" name="日期占位符 3">
-            <a:extLst>
-              <a:ext uri="{FF2B5EF4-FFF2-40B4-BE49-F238E27FC236}">
-                <a16:creationId xmlns:a16="http://schemas.microsoft.com/office/drawing/2014/main" id="{EEC723BD-3D00-49EA-B048-286C74C248C5}"/>
-              </a:ext>
-            </a:extLst>
-          </p:cNvPr>
+            <a:endParaRPr lang="zh-CN" altLang="en-US"/>
+          </a:p>
+        </p:txBody>
+      </p:sp>
+      <p:sp>
+        <p:nvSpPr>
+          <p:cNvPr id="4" name="日期占位符 3"/>
           <p:cNvSpPr>
             <a:spLocks noGrp="1"/>
           </p:cNvSpPr>
@@ -865,7 +762,6 @@
           <a:p>
             <a:fld id="{FF1902EF-ED24-4827-A18D-78C12B26B797}" type="datetimeFigureOut">
               <a:rPr lang="zh-CN" altLang="en-US" smtClean="0"/>
-              <a:t>2024/4/19</a:t>
             </a:fld>
             <a:endParaRPr lang="zh-CN" altLang="en-US"/>
           </a:p>
@@ -873,13 +769,7 @@
       </p:sp>
       <p:sp>
         <p:nvSpPr>
-          <p:cNvPr id="5" name="页脚占位符 4">
-            <a:extLst>
-              <a:ext uri="{FF2B5EF4-FFF2-40B4-BE49-F238E27FC236}">
-                <a16:creationId xmlns:a16="http://schemas.microsoft.com/office/drawing/2014/main" id="{2E1477D2-CEDC-47AD-8721-F23D76EAAFB6}"/>
-              </a:ext>
-            </a:extLst>
-          </p:cNvPr>
+          <p:cNvPr id="5" name="页脚占位符 4"/>
           <p:cNvSpPr>
             <a:spLocks noGrp="1"/>
           </p:cNvSpPr>
@@ -898,13 +788,7 @@
       </p:sp>
       <p:sp>
         <p:nvSpPr>
-          <p:cNvPr id="6" name="灯片编号占位符 5">
-            <a:extLst>
-              <a:ext uri="{FF2B5EF4-FFF2-40B4-BE49-F238E27FC236}">
-                <a16:creationId xmlns:a16="http://schemas.microsoft.com/office/drawing/2014/main" id="{85B40CE5-3E4D-4FAC-9B8E-273CEA96BDF4}"/>
-              </a:ext>
-            </a:extLst>
-          </p:cNvPr>
+          <p:cNvPr id="6" name="灯片编号占位符 5"/>
           <p:cNvSpPr>
             <a:spLocks noGrp="1"/>
           </p:cNvSpPr>
@@ -919,18 +803,12 @@
           <a:p>
             <a:fld id="{4DEFA10B-0570-45E6-BDDD-D60595434BE7}" type="slidenum">
               <a:rPr lang="zh-CN" altLang="en-US" smtClean="0"/>
-              <a:t>‹#›</a:t>
             </a:fld>
             <a:endParaRPr lang="zh-CN" altLang="en-US"/>
           </a:p>
         </p:txBody>
       </p:sp>
     </p:spTree>
-    <p:extLst>
-      <p:ext uri="{BB962C8B-B14F-4D97-AF65-F5344CB8AC3E}">
-        <p14:creationId xmlns:p14="http://schemas.microsoft.com/office/powerpoint/2010/main" val="4114645780"/>
-      </p:ext>
-    </p:extLst>
   </p:cSld>
   <p:clrMapOvr>
     <a:masterClrMapping/>
@@ -957,13 +835,7 @@
       </p:grpSpPr>
       <p:sp>
         <p:nvSpPr>
-          <p:cNvPr id="2" name="标题 1">
-            <a:extLst>
-              <a:ext uri="{FF2B5EF4-FFF2-40B4-BE49-F238E27FC236}">
-                <a16:creationId xmlns:a16="http://schemas.microsoft.com/office/drawing/2014/main" id="{8D6A0563-893D-4519-BE07-0FBE94D65528}"/>
-              </a:ext>
-            </a:extLst>
-          </p:cNvPr>
+          <p:cNvPr id="2" name="标题 1"/>
           <p:cNvSpPr>
             <a:spLocks noGrp="1"/>
           </p:cNvSpPr>
@@ -989,18 +861,13 @@
               <a:rPr lang="zh-CN" altLang="en-US"/>
               <a:t>单击此处编辑母版标题样式</a:t>
             </a:r>
-          </a:p>
-        </p:txBody>
-      </p:sp>
-      <p:sp>
-        <p:nvSpPr>
-          <p:cNvPr id="3" name="文本占位符 2">
-            <a:extLst>
-              <a:ext uri="{FF2B5EF4-FFF2-40B4-BE49-F238E27FC236}">
-                <a16:creationId xmlns:a16="http://schemas.microsoft.com/office/drawing/2014/main" id="{C341CCA6-49D7-46DD-844F-814A4C174AA3}"/>
-              </a:ext>
-            </a:extLst>
-          </p:cNvPr>
+            <a:endParaRPr lang="zh-CN" altLang="en-US"/>
+          </a:p>
+        </p:txBody>
+      </p:sp>
+      <p:sp>
+        <p:nvSpPr>
+          <p:cNvPr id="3" name="文本占位符 2"/>
           <p:cNvSpPr>
             <a:spLocks noGrp="1"/>
           </p:cNvSpPr>
@@ -1114,18 +981,13 @@
               <a:rPr lang="zh-CN" altLang="en-US"/>
               <a:t>单击此处编辑母版文本样式</a:t>
             </a:r>
-          </a:p>
-        </p:txBody>
-      </p:sp>
-      <p:sp>
-        <p:nvSpPr>
-          <p:cNvPr id="4" name="日期占位符 3">
-            <a:extLst>
-              <a:ext uri="{FF2B5EF4-FFF2-40B4-BE49-F238E27FC236}">
-                <a16:creationId xmlns:a16="http://schemas.microsoft.com/office/drawing/2014/main" id="{BC0FD59E-85E3-42BC-8B3B-226D1CFF2A9A}"/>
-              </a:ext>
-            </a:extLst>
-          </p:cNvPr>
+            <a:endParaRPr lang="zh-CN" altLang="en-US"/>
+          </a:p>
+        </p:txBody>
+      </p:sp>
+      <p:sp>
+        <p:nvSpPr>
+          <p:cNvPr id="4" name="日期占位符 3"/>
           <p:cNvSpPr>
             <a:spLocks noGrp="1"/>
           </p:cNvSpPr>
@@ -1140,7 +1002,6 @@
           <a:p>
             <a:fld id="{FF1902EF-ED24-4827-A18D-78C12B26B797}" type="datetimeFigureOut">
               <a:rPr lang="zh-CN" altLang="en-US" smtClean="0"/>
-              <a:t>2024/4/19</a:t>
             </a:fld>
             <a:endParaRPr lang="zh-CN" altLang="en-US"/>
           </a:p>
@@ -1148,13 +1009,7 @@
       </p:sp>
       <p:sp>
         <p:nvSpPr>
-          <p:cNvPr id="5" name="页脚占位符 4">
-            <a:extLst>
-              <a:ext uri="{FF2B5EF4-FFF2-40B4-BE49-F238E27FC236}">
-                <a16:creationId xmlns:a16="http://schemas.microsoft.com/office/drawing/2014/main" id="{E0481DDD-2483-4F8C-8255-116CCB4E250B}"/>
-              </a:ext>
-            </a:extLst>
-          </p:cNvPr>
+          <p:cNvPr id="5" name="页脚占位符 4"/>
           <p:cNvSpPr>
             <a:spLocks noGrp="1"/>
           </p:cNvSpPr>
@@ -1173,13 +1028,7 @@
       </p:sp>
       <p:sp>
         <p:nvSpPr>
-          <p:cNvPr id="6" name="灯片编号占位符 5">
-            <a:extLst>
-              <a:ext uri="{FF2B5EF4-FFF2-40B4-BE49-F238E27FC236}">
-                <a16:creationId xmlns:a16="http://schemas.microsoft.com/office/drawing/2014/main" id="{AEABBBB4-EC69-4740-A853-4119747651F3}"/>
-              </a:ext>
-            </a:extLst>
-          </p:cNvPr>
+          <p:cNvPr id="6" name="灯片编号占位符 5"/>
           <p:cNvSpPr>
             <a:spLocks noGrp="1"/>
           </p:cNvSpPr>
@@ -1194,18 +1043,12 @@
           <a:p>
             <a:fld id="{4DEFA10B-0570-45E6-BDDD-D60595434BE7}" type="slidenum">
               <a:rPr lang="zh-CN" altLang="en-US" smtClean="0"/>
-              <a:t>‹#›</a:t>
             </a:fld>
             <a:endParaRPr lang="zh-CN" altLang="en-US"/>
           </a:p>
         </p:txBody>
       </p:sp>
     </p:spTree>
-    <p:extLst>
-      <p:ext uri="{BB962C8B-B14F-4D97-AF65-F5344CB8AC3E}">
-        <p14:creationId xmlns:p14="http://schemas.microsoft.com/office/powerpoint/2010/main" val="2659832428"/>
-      </p:ext>
-    </p:extLst>
   </p:cSld>
   <p:clrMapOvr>
     <a:masterClrMapping/>
@@ -1232,13 +1075,7 @@
       </p:grpSpPr>
       <p:sp>
         <p:nvSpPr>
-          <p:cNvPr id="2" name="标题 1">
-            <a:extLst>
-              <a:ext uri="{FF2B5EF4-FFF2-40B4-BE49-F238E27FC236}">
-                <a16:creationId xmlns:a16="http://schemas.microsoft.com/office/drawing/2014/main" id="{6AB86579-631F-444C-91C3-D83954C86BF8}"/>
-              </a:ext>
-            </a:extLst>
-          </p:cNvPr>
+          <p:cNvPr id="2" name="标题 1"/>
           <p:cNvSpPr>
             <a:spLocks noGrp="1"/>
           </p:cNvSpPr>
@@ -1255,18 +1092,13 @@
               <a:rPr lang="zh-CN" altLang="en-US"/>
               <a:t>单击此处编辑母版标题样式</a:t>
             </a:r>
-          </a:p>
-        </p:txBody>
-      </p:sp>
-      <p:sp>
-        <p:nvSpPr>
-          <p:cNvPr id="3" name="内容占位符 2">
-            <a:extLst>
-              <a:ext uri="{FF2B5EF4-FFF2-40B4-BE49-F238E27FC236}">
-                <a16:creationId xmlns:a16="http://schemas.microsoft.com/office/drawing/2014/main" id="{484DD8FE-1179-4C0F-8AB8-16E065C8780E}"/>
-              </a:ext>
-            </a:extLst>
-          </p:cNvPr>
+            <a:endParaRPr lang="zh-CN" altLang="en-US"/>
+          </a:p>
+        </p:txBody>
+      </p:sp>
+      <p:sp>
+        <p:nvSpPr>
+          <p:cNvPr id="3" name="内容占位符 2"/>
           <p:cNvSpPr>
             <a:spLocks noGrp="1"/>
           </p:cNvSpPr>
@@ -1289,6 +1121,7 @@
               <a:rPr lang="zh-CN" altLang="en-US"/>
               <a:t>单击此处编辑母版文本样式</a:t>
             </a:r>
+            <a:endParaRPr lang="zh-CN" altLang="en-US"/>
           </a:p>
           <a:p>
             <a:pPr lvl="1"/>
@@ -1296,6 +1129,7 @@
               <a:rPr lang="zh-CN" altLang="en-US"/>
               <a:t>二级</a:t>
             </a:r>
+            <a:endParaRPr lang="zh-CN" altLang="en-US"/>
           </a:p>
           <a:p>
             <a:pPr lvl="2"/>
@@ -1303,6 +1137,7 @@
               <a:rPr lang="zh-CN" altLang="en-US"/>
               <a:t>三级</a:t>
             </a:r>
+            <a:endParaRPr lang="zh-CN" altLang="en-US"/>
           </a:p>
           <a:p>
             <a:pPr lvl="3"/>
@@ -1310,6 +1145,7 @@
               <a:rPr lang="zh-CN" altLang="en-US"/>
               <a:t>四级</a:t>
             </a:r>
+            <a:endParaRPr lang="zh-CN" altLang="en-US"/>
           </a:p>
           <a:p>
             <a:pPr lvl="4"/>
@@ -1317,18 +1153,13 @@
               <a:rPr lang="zh-CN" altLang="en-US"/>
               <a:t>五级</a:t>
             </a:r>
-          </a:p>
-        </p:txBody>
-      </p:sp>
-      <p:sp>
-        <p:nvSpPr>
-          <p:cNvPr id="4" name="内容占位符 3">
-            <a:extLst>
-              <a:ext uri="{FF2B5EF4-FFF2-40B4-BE49-F238E27FC236}">
-                <a16:creationId xmlns:a16="http://schemas.microsoft.com/office/drawing/2014/main" id="{9C7E990E-EFBB-49D9-BFA4-0E6C62E42CB1}"/>
-              </a:ext>
-            </a:extLst>
-          </p:cNvPr>
+            <a:endParaRPr lang="zh-CN" altLang="en-US"/>
+          </a:p>
+        </p:txBody>
+      </p:sp>
+      <p:sp>
+        <p:nvSpPr>
+          <p:cNvPr id="4" name="内容占位符 3"/>
           <p:cNvSpPr>
             <a:spLocks noGrp="1"/>
           </p:cNvSpPr>
@@ -1351,6 +1182,7 @@
               <a:rPr lang="zh-CN" altLang="en-US"/>
               <a:t>单击此处编辑母版文本样式</a:t>
             </a:r>
+            <a:endParaRPr lang="zh-CN" altLang="en-US"/>
           </a:p>
           <a:p>
             <a:pPr lvl="1"/>
@@ -1358,6 +1190,7 @@
               <a:rPr lang="zh-CN" altLang="en-US"/>
               <a:t>二级</a:t>
             </a:r>
+            <a:endParaRPr lang="zh-CN" altLang="en-US"/>
           </a:p>
           <a:p>
             <a:pPr lvl="2"/>
@@ -1365,6 +1198,7 @@
               <a:rPr lang="zh-CN" altLang="en-US"/>
               <a:t>三级</a:t>
             </a:r>
+            <a:endParaRPr lang="zh-CN" altLang="en-US"/>
           </a:p>
           <a:p>
             <a:pPr lvl="3"/>
@@ -1372,6 +1206,7 @@
               <a:rPr lang="zh-CN" altLang="en-US"/>
               <a:t>四级</a:t>
             </a:r>
+            <a:endParaRPr lang="zh-CN" altLang="en-US"/>
           </a:p>
           <a:p>
             <a:pPr lvl="4"/>
@@ -1379,18 +1214,13 @@
               <a:rPr lang="zh-CN" altLang="en-US"/>
               <a:t>五级</a:t>
             </a:r>
-          </a:p>
-        </p:txBody>
-      </p:sp>
-      <p:sp>
-        <p:nvSpPr>
-          <p:cNvPr id="5" name="日期占位符 4">
-            <a:extLst>
-              <a:ext uri="{FF2B5EF4-FFF2-40B4-BE49-F238E27FC236}">
-                <a16:creationId xmlns:a16="http://schemas.microsoft.com/office/drawing/2014/main" id="{C66A6A67-75AA-4E6B-A544-ADB04D70A3A8}"/>
-              </a:ext>
-            </a:extLst>
-          </p:cNvPr>
+            <a:endParaRPr lang="zh-CN" altLang="en-US"/>
+          </a:p>
+        </p:txBody>
+      </p:sp>
+      <p:sp>
+        <p:nvSpPr>
+          <p:cNvPr id="5" name="日期占位符 4"/>
           <p:cNvSpPr>
             <a:spLocks noGrp="1"/>
           </p:cNvSpPr>
@@ -1405,7 +1235,6 @@
           <a:p>
             <a:fld id="{FF1902EF-ED24-4827-A18D-78C12B26B797}" type="datetimeFigureOut">
               <a:rPr lang="zh-CN" altLang="en-US" smtClean="0"/>
-              <a:t>2024/4/19</a:t>
             </a:fld>
             <a:endParaRPr lang="zh-CN" altLang="en-US"/>
           </a:p>
@@ -1413,13 +1242,7 @@
       </p:sp>
       <p:sp>
         <p:nvSpPr>
-          <p:cNvPr id="6" name="页脚占位符 5">
-            <a:extLst>
-              <a:ext uri="{FF2B5EF4-FFF2-40B4-BE49-F238E27FC236}">
-                <a16:creationId xmlns:a16="http://schemas.microsoft.com/office/drawing/2014/main" id="{1D2C73F4-7956-492D-A055-6992F821A2C7}"/>
-              </a:ext>
-            </a:extLst>
-          </p:cNvPr>
+          <p:cNvPr id="6" name="页脚占位符 5"/>
           <p:cNvSpPr>
             <a:spLocks noGrp="1"/>
           </p:cNvSpPr>
@@ -1438,13 +1261,7 @@
       </p:sp>
       <p:sp>
         <p:nvSpPr>
-          <p:cNvPr id="7" name="灯片编号占位符 6">
-            <a:extLst>
-              <a:ext uri="{FF2B5EF4-FFF2-40B4-BE49-F238E27FC236}">
-                <a16:creationId xmlns:a16="http://schemas.microsoft.com/office/drawing/2014/main" id="{35A8167B-9B93-488A-93A3-875431446D43}"/>
-              </a:ext>
-            </a:extLst>
-          </p:cNvPr>
+          <p:cNvPr id="7" name="灯片编号占位符 6"/>
           <p:cNvSpPr>
             <a:spLocks noGrp="1"/>
           </p:cNvSpPr>
@@ -1459,18 +1276,12 @@
           <a:p>
             <a:fld id="{4DEFA10B-0570-45E6-BDDD-D60595434BE7}" type="slidenum">
               <a:rPr lang="zh-CN" altLang="en-US" smtClean="0"/>
-              <a:t>‹#›</a:t>
             </a:fld>
             <a:endParaRPr lang="zh-CN" altLang="en-US"/>
           </a:p>
         </p:txBody>
       </p:sp>
     </p:spTree>
-    <p:extLst>
-      <p:ext uri="{BB962C8B-B14F-4D97-AF65-F5344CB8AC3E}">
-        <p14:creationId xmlns:p14="http://schemas.microsoft.com/office/powerpoint/2010/main" val="2271048116"/>
-      </p:ext>
-    </p:extLst>
   </p:cSld>
   <p:clrMapOvr>
     <a:masterClrMapping/>
@@ -1497,13 +1308,7 @@
       </p:grpSpPr>
       <p:sp>
         <p:nvSpPr>
-          <p:cNvPr id="2" name="标题 1">
-            <a:extLst>
-              <a:ext uri="{FF2B5EF4-FFF2-40B4-BE49-F238E27FC236}">
-                <a16:creationId xmlns:a16="http://schemas.microsoft.com/office/drawing/2014/main" id="{61060453-FABB-43EF-B4D9-CCDBB3B65EA0}"/>
-              </a:ext>
-            </a:extLst>
-          </p:cNvPr>
+          <p:cNvPr id="2" name="标题 1"/>
           <p:cNvSpPr>
             <a:spLocks noGrp="1"/>
           </p:cNvSpPr>
@@ -1525,18 +1330,13 @@
               <a:rPr lang="zh-CN" altLang="en-US"/>
               <a:t>单击此处编辑母版标题样式</a:t>
             </a:r>
-          </a:p>
-        </p:txBody>
-      </p:sp>
-      <p:sp>
-        <p:nvSpPr>
-          <p:cNvPr id="3" name="文本占位符 2">
-            <a:extLst>
-              <a:ext uri="{FF2B5EF4-FFF2-40B4-BE49-F238E27FC236}">
-                <a16:creationId xmlns:a16="http://schemas.microsoft.com/office/drawing/2014/main" id="{EBB040E2-804C-4520-B368-292C08D1AD5A}"/>
-              </a:ext>
-            </a:extLst>
-          </p:cNvPr>
+            <a:endParaRPr lang="zh-CN" altLang="en-US"/>
+          </a:p>
+        </p:txBody>
+      </p:sp>
+      <p:sp>
+        <p:nvSpPr>
+          <p:cNvPr id="3" name="文本占位符 2"/>
           <p:cNvSpPr>
             <a:spLocks noGrp="1"/>
           </p:cNvSpPr>
@@ -1596,18 +1396,13 @@
               <a:rPr lang="zh-CN" altLang="en-US"/>
               <a:t>单击此处编辑母版文本样式</a:t>
             </a:r>
-          </a:p>
-        </p:txBody>
-      </p:sp>
-      <p:sp>
-        <p:nvSpPr>
-          <p:cNvPr id="4" name="内容占位符 3">
-            <a:extLst>
-              <a:ext uri="{FF2B5EF4-FFF2-40B4-BE49-F238E27FC236}">
-                <a16:creationId xmlns:a16="http://schemas.microsoft.com/office/drawing/2014/main" id="{69F5F287-1610-43A5-B10B-5E6873A7EF63}"/>
-              </a:ext>
-            </a:extLst>
-          </p:cNvPr>
+            <a:endParaRPr lang="zh-CN" altLang="en-US"/>
+          </a:p>
+        </p:txBody>
+      </p:sp>
+      <p:sp>
+        <p:nvSpPr>
+          <p:cNvPr id="4" name="内容占位符 3"/>
           <p:cNvSpPr>
             <a:spLocks noGrp="1"/>
           </p:cNvSpPr>
@@ -1630,6 +1425,7 @@
               <a:rPr lang="zh-CN" altLang="en-US"/>
               <a:t>单击此处编辑母版文本样式</a:t>
             </a:r>
+            <a:endParaRPr lang="zh-CN" altLang="en-US"/>
           </a:p>
           <a:p>
             <a:pPr lvl="1"/>
@@ -1637,6 +1433,7 @@
               <a:rPr lang="zh-CN" altLang="en-US"/>
               <a:t>二级</a:t>
             </a:r>
+            <a:endParaRPr lang="zh-CN" altLang="en-US"/>
           </a:p>
           <a:p>
             <a:pPr lvl="2"/>
@@ -1644,6 +1441,7 @@
               <a:rPr lang="zh-CN" altLang="en-US"/>
               <a:t>三级</a:t>
             </a:r>
+            <a:endParaRPr lang="zh-CN" altLang="en-US"/>
           </a:p>
           <a:p>
             <a:pPr lvl="3"/>
@@ -1651,6 +1449,7 @@
               <a:rPr lang="zh-CN" altLang="en-US"/>
               <a:t>四级</a:t>
             </a:r>
+            <a:endParaRPr lang="zh-CN" altLang="en-US"/>
           </a:p>
           <a:p>
             <a:pPr lvl="4"/>
@@ -1658,18 +1457,13 @@
               <a:rPr lang="zh-CN" altLang="en-US"/>
               <a:t>五级</a:t>
             </a:r>
-          </a:p>
-        </p:txBody>
-      </p:sp>
-      <p:sp>
-        <p:nvSpPr>
-          <p:cNvPr id="5" name="文本占位符 4">
-            <a:extLst>
-              <a:ext uri="{FF2B5EF4-FFF2-40B4-BE49-F238E27FC236}">
-                <a16:creationId xmlns:a16="http://schemas.microsoft.com/office/drawing/2014/main" id="{6AB65433-78BD-4D05-93CE-7D67E0478CD3}"/>
-              </a:ext>
-            </a:extLst>
-          </p:cNvPr>
+            <a:endParaRPr lang="zh-CN" altLang="en-US"/>
+          </a:p>
+        </p:txBody>
+      </p:sp>
+      <p:sp>
+        <p:nvSpPr>
+          <p:cNvPr id="5" name="文本占位符 4"/>
           <p:cNvSpPr>
             <a:spLocks noGrp="1"/>
           </p:cNvSpPr>
@@ -1729,18 +1523,13 @@
               <a:rPr lang="zh-CN" altLang="en-US"/>
               <a:t>单击此处编辑母版文本样式</a:t>
             </a:r>
-          </a:p>
-        </p:txBody>
-      </p:sp>
-      <p:sp>
-        <p:nvSpPr>
-          <p:cNvPr id="6" name="内容占位符 5">
-            <a:extLst>
-              <a:ext uri="{FF2B5EF4-FFF2-40B4-BE49-F238E27FC236}">
-                <a16:creationId xmlns:a16="http://schemas.microsoft.com/office/drawing/2014/main" id="{3118D6AD-ECF1-493A-A809-F2C4F3C2A016}"/>
-              </a:ext>
-            </a:extLst>
-          </p:cNvPr>
+            <a:endParaRPr lang="zh-CN" altLang="en-US"/>
+          </a:p>
+        </p:txBody>
+      </p:sp>
+      <p:sp>
+        <p:nvSpPr>
+          <p:cNvPr id="6" name="内容占位符 5"/>
           <p:cNvSpPr>
             <a:spLocks noGrp="1"/>
           </p:cNvSpPr>
@@ -1763,6 +1552,7 @@
               <a:rPr lang="zh-CN" altLang="en-US"/>
               <a:t>单击此处编辑母版文本样式</a:t>
             </a:r>
+            <a:endParaRPr lang="zh-CN" altLang="en-US"/>
           </a:p>
           <a:p>
             <a:pPr lvl="1"/>
@@ -1770,6 +1560,7 @@
               <a:rPr lang="zh-CN" altLang="en-US"/>
               <a:t>二级</a:t>
             </a:r>
+            <a:endParaRPr lang="zh-CN" altLang="en-US"/>
           </a:p>
           <a:p>
             <a:pPr lvl="2"/>
@@ -1777,6 +1568,7 @@
               <a:rPr lang="zh-CN" altLang="en-US"/>
               <a:t>三级</a:t>
             </a:r>
+            <a:endParaRPr lang="zh-CN" altLang="en-US"/>
           </a:p>
           <a:p>
             <a:pPr lvl="3"/>
@@ -1784,6 +1576,7 @@
               <a:rPr lang="zh-CN" altLang="en-US"/>
               <a:t>四级</a:t>
             </a:r>
+            <a:endParaRPr lang="zh-CN" altLang="en-US"/>
           </a:p>
           <a:p>
             <a:pPr lvl="4"/>
@@ -1791,18 +1584,13 @@
               <a:rPr lang="zh-CN" altLang="en-US"/>
               <a:t>五级</a:t>
             </a:r>
-          </a:p>
-        </p:txBody>
-      </p:sp>
-      <p:sp>
-        <p:nvSpPr>
-          <p:cNvPr id="7" name="日期占位符 6">
-            <a:extLst>
-              <a:ext uri="{FF2B5EF4-FFF2-40B4-BE49-F238E27FC236}">
-                <a16:creationId xmlns:a16="http://schemas.microsoft.com/office/drawing/2014/main" id="{A261DDAE-DCBB-428E-BC9D-80833F8516C8}"/>
-              </a:ext>
-            </a:extLst>
-          </p:cNvPr>
+            <a:endParaRPr lang="zh-CN" altLang="en-US"/>
+          </a:p>
+        </p:txBody>
+      </p:sp>
+      <p:sp>
+        <p:nvSpPr>
+          <p:cNvPr id="7" name="日期占位符 6"/>
           <p:cNvSpPr>
             <a:spLocks noGrp="1"/>
           </p:cNvSpPr>
@@ -1817,7 +1605,6 @@
           <a:p>
             <a:fld id="{FF1902EF-ED24-4827-A18D-78C12B26B797}" type="datetimeFigureOut">
               <a:rPr lang="zh-CN" altLang="en-US" smtClean="0"/>
-              <a:t>2024/4/19</a:t>
             </a:fld>
             <a:endParaRPr lang="zh-CN" altLang="en-US"/>
           </a:p>
@@ -1825,13 +1612,7 @@
       </p:sp>
       <p:sp>
         <p:nvSpPr>
-          <p:cNvPr id="8" name="页脚占位符 7">
-            <a:extLst>
-              <a:ext uri="{FF2B5EF4-FFF2-40B4-BE49-F238E27FC236}">
-                <a16:creationId xmlns:a16="http://schemas.microsoft.com/office/drawing/2014/main" id="{09DF8110-A074-4992-95B5-1EF3D1CD914C}"/>
-              </a:ext>
-            </a:extLst>
-          </p:cNvPr>
+          <p:cNvPr id="8" name="页脚占位符 7"/>
           <p:cNvSpPr>
             <a:spLocks noGrp="1"/>
           </p:cNvSpPr>
@@ -1850,13 +1631,7 @@
       </p:sp>
       <p:sp>
         <p:nvSpPr>
-          <p:cNvPr id="9" name="灯片编号占位符 8">
-            <a:extLst>
-              <a:ext uri="{FF2B5EF4-FFF2-40B4-BE49-F238E27FC236}">
-                <a16:creationId xmlns:a16="http://schemas.microsoft.com/office/drawing/2014/main" id="{F403B7AF-F864-4278-9ADD-8CFBBEC45B47}"/>
-              </a:ext>
-            </a:extLst>
-          </p:cNvPr>
+          <p:cNvPr id="9" name="灯片编号占位符 8"/>
           <p:cNvSpPr>
             <a:spLocks noGrp="1"/>
           </p:cNvSpPr>
@@ -1871,18 +1646,12 @@
           <a:p>
             <a:fld id="{4DEFA10B-0570-45E6-BDDD-D60595434BE7}" type="slidenum">
               <a:rPr lang="zh-CN" altLang="en-US" smtClean="0"/>
-              <a:t>‹#›</a:t>
             </a:fld>
             <a:endParaRPr lang="zh-CN" altLang="en-US"/>
           </a:p>
         </p:txBody>
       </p:sp>
     </p:spTree>
-    <p:extLst>
-      <p:ext uri="{BB962C8B-B14F-4D97-AF65-F5344CB8AC3E}">
-        <p14:creationId xmlns:p14="http://schemas.microsoft.com/office/powerpoint/2010/main" val="312188426"/>
-      </p:ext>
-    </p:extLst>
   </p:cSld>
   <p:clrMapOvr>
     <a:masterClrMapping/>
@@ -1909,13 +1678,7 @@
       </p:grpSpPr>
       <p:sp>
         <p:nvSpPr>
-          <p:cNvPr id="2" name="标题 1">
-            <a:extLst>
-              <a:ext uri="{FF2B5EF4-FFF2-40B4-BE49-F238E27FC236}">
-                <a16:creationId xmlns:a16="http://schemas.microsoft.com/office/drawing/2014/main" id="{0582471F-51F8-44A1-B6DC-642B6ED2EC96}"/>
-              </a:ext>
-            </a:extLst>
-          </p:cNvPr>
+          <p:cNvPr id="2" name="标题 1"/>
           <p:cNvSpPr>
             <a:spLocks noGrp="1"/>
           </p:cNvSpPr>
@@ -1932,18 +1695,13 @@
               <a:rPr lang="zh-CN" altLang="en-US"/>
               <a:t>单击此处编辑母版标题样式</a:t>
             </a:r>
-          </a:p>
-        </p:txBody>
-      </p:sp>
-      <p:sp>
-        <p:nvSpPr>
-          <p:cNvPr id="3" name="日期占位符 2">
-            <a:extLst>
-              <a:ext uri="{FF2B5EF4-FFF2-40B4-BE49-F238E27FC236}">
-                <a16:creationId xmlns:a16="http://schemas.microsoft.com/office/drawing/2014/main" id="{04DBCB87-CFF4-4772-874C-FE2E0CBEFDB6}"/>
-              </a:ext>
-            </a:extLst>
-          </p:cNvPr>
+            <a:endParaRPr lang="zh-CN" altLang="en-US"/>
+          </a:p>
+        </p:txBody>
+      </p:sp>
+      <p:sp>
+        <p:nvSpPr>
+          <p:cNvPr id="3" name="日期占位符 2"/>
           <p:cNvSpPr>
             <a:spLocks noGrp="1"/>
           </p:cNvSpPr>
@@ -1958,7 +1716,6 @@
           <a:p>
             <a:fld id="{FF1902EF-ED24-4827-A18D-78C12B26B797}" type="datetimeFigureOut">
               <a:rPr lang="zh-CN" altLang="en-US" smtClean="0"/>
-              <a:t>2024/4/19</a:t>
             </a:fld>
             <a:endParaRPr lang="zh-CN" altLang="en-US"/>
           </a:p>
@@ -1966,13 +1723,7 @@
       </p:sp>
       <p:sp>
         <p:nvSpPr>
-          <p:cNvPr id="4" name="页脚占位符 3">
-            <a:extLst>
-              <a:ext uri="{FF2B5EF4-FFF2-40B4-BE49-F238E27FC236}">
-                <a16:creationId xmlns:a16="http://schemas.microsoft.com/office/drawing/2014/main" id="{DB3AA946-0105-4B93-B0B6-9CBA80F7E50B}"/>
-              </a:ext>
-            </a:extLst>
-          </p:cNvPr>
+          <p:cNvPr id="4" name="页脚占位符 3"/>
           <p:cNvSpPr>
             <a:spLocks noGrp="1"/>
           </p:cNvSpPr>
@@ -1991,13 +1742,7 @@
       </p:sp>
       <p:sp>
         <p:nvSpPr>
-          <p:cNvPr id="5" name="灯片编号占位符 4">
-            <a:extLst>
-              <a:ext uri="{FF2B5EF4-FFF2-40B4-BE49-F238E27FC236}">
-                <a16:creationId xmlns:a16="http://schemas.microsoft.com/office/drawing/2014/main" id="{DDD03D19-29F3-4539-8E7F-3A051B6348A3}"/>
-              </a:ext>
-            </a:extLst>
-          </p:cNvPr>
+          <p:cNvPr id="5" name="灯片编号占位符 4"/>
           <p:cNvSpPr>
             <a:spLocks noGrp="1"/>
           </p:cNvSpPr>
@@ -2012,18 +1757,12 @@
           <a:p>
             <a:fld id="{4DEFA10B-0570-45E6-BDDD-D60595434BE7}" type="slidenum">
               <a:rPr lang="zh-CN" altLang="en-US" smtClean="0"/>
-              <a:t>‹#›</a:t>
             </a:fld>
             <a:endParaRPr lang="zh-CN" altLang="en-US"/>
           </a:p>
         </p:txBody>
       </p:sp>
     </p:spTree>
-    <p:extLst>
-      <p:ext uri="{BB962C8B-B14F-4D97-AF65-F5344CB8AC3E}">
-        <p14:creationId xmlns:p14="http://schemas.microsoft.com/office/powerpoint/2010/main" val="2155828973"/>
-      </p:ext>
-    </p:extLst>
   </p:cSld>
   <p:clrMapOvr>
     <a:masterClrMapping/>
@@ -2050,13 +1789,7 @@
       </p:grpSpPr>
       <p:sp>
         <p:nvSpPr>
-          <p:cNvPr id="2" name="日期占位符 1">
-            <a:extLst>
-              <a:ext uri="{FF2B5EF4-FFF2-40B4-BE49-F238E27FC236}">
-                <a16:creationId xmlns:a16="http://schemas.microsoft.com/office/drawing/2014/main" id="{1C418F60-2A4F-4FE6-80EF-6FACD9402490}"/>
-              </a:ext>
-            </a:extLst>
-          </p:cNvPr>
+          <p:cNvPr id="2" name="日期占位符 1"/>
           <p:cNvSpPr>
             <a:spLocks noGrp="1"/>
           </p:cNvSpPr>
@@ -2071,7 +1804,6 @@
           <a:p>
             <a:fld id="{FF1902EF-ED24-4827-A18D-78C12B26B797}" type="datetimeFigureOut">
               <a:rPr lang="zh-CN" altLang="en-US" smtClean="0"/>
-              <a:t>2024/4/19</a:t>
             </a:fld>
             <a:endParaRPr lang="zh-CN" altLang="en-US"/>
           </a:p>
@@ -2079,13 +1811,7 @@
       </p:sp>
       <p:sp>
         <p:nvSpPr>
-          <p:cNvPr id="3" name="页脚占位符 2">
-            <a:extLst>
-              <a:ext uri="{FF2B5EF4-FFF2-40B4-BE49-F238E27FC236}">
-                <a16:creationId xmlns:a16="http://schemas.microsoft.com/office/drawing/2014/main" id="{C35111A5-56CC-4CCD-BB6B-5B8857C84918}"/>
-              </a:ext>
-            </a:extLst>
-          </p:cNvPr>
+          <p:cNvPr id="3" name="页脚占位符 2"/>
           <p:cNvSpPr>
             <a:spLocks noGrp="1"/>
           </p:cNvSpPr>
@@ -2104,13 +1830,7 @@
       </p:sp>
       <p:sp>
         <p:nvSpPr>
-          <p:cNvPr id="4" name="灯片编号占位符 3">
-            <a:extLst>
-              <a:ext uri="{FF2B5EF4-FFF2-40B4-BE49-F238E27FC236}">
-                <a16:creationId xmlns:a16="http://schemas.microsoft.com/office/drawing/2014/main" id="{1241901C-1ECE-406C-B625-A454FB51D026}"/>
-              </a:ext>
-            </a:extLst>
-          </p:cNvPr>
+          <p:cNvPr id="4" name="灯片编号占位符 3"/>
           <p:cNvSpPr>
             <a:spLocks noGrp="1"/>
           </p:cNvSpPr>
@@ -2125,18 +1845,12 @@
           <a:p>
             <a:fld id="{4DEFA10B-0570-45E6-BDDD-D60595434BE7}" type="slidenum">
               <a:rPr lang="zh-CN" altLang="en-US" smtClean="0"/>
-              <a:t>‹#›</a:t>
             </a:fld>
             <a:endParaRPr lang="zh-CN" altLang="en-US"/>
           </a:p>
         </p:txBody>
       </p:sp>
     </p:spTree>
-    <p:extLst>
-      <p:ext uri="{BB962C8B-B14F-4D97-AF65-F5344CB8AC3E}">
-        <p14:creationId xmlns:p14="http://schemas.microsoft.com/office/powerpoint/2010/main" val="2682367966"/>
-      </p:ext>
-    </p:extLst>
   </p:cSld>
   <p:clrMapOvr>
     <a:masterClrMapping/>
@@ -2163,13 +1877,7 @@
       </p:grpSpPr>
       <p:sp>
         <p:nvSpPr>
-          <p:cNvPr id="2" name="标题 1">
-            <a:extLst>
-              <a:ext uri="{FF2B5EF4-FFF2-40B4-BE49-F238E27FC236}">
-                <a16:creationId xmlns:a16="http://schemas.microsoft.com/office/drawing/2014/main" id="{94A67B25-8C8F-4949-83EA-950B38915CB5}"/>
-              </a:ext>
-            </a:extLst>
-          </p:cNvPr>
+          <p:cNvPr id="2" name="标题 1"/>
           <p:cNvSpPr>
             <a:spLocks noGrp="1"/>
           </p:cNvSpPr>
@@ -2195,18 +1903,13 @@
               <a:rPr lang="zh-CN" altLang="en-US"/>
               <a:t>单击此处编辑母版标题样式</a:t>
             </a:r>
-          </a:p>
-        </p:txBody>
-      </p:sp>
-      <p:sp>
-        <p:nvSpPr>
-          <p:cNvPr id="3" name="内容占位符 2">
-            <a:extLst>
-              <a:ext uri="{FF2B5EF4-FFF2-40B4-BE49-F238E27FC236}">
-                <a16:creationId xmlns:a16="http://schemas.microsoft.com/office/drawing/2014/main" id="{B333D5C4-540E-4A76-8FD3-70D85E5E04ED}"/>
-              </a:ext>
-            </a:extLst>
-          </p:cNvPr>
+            <a:endParaRPr lang="zh-CN" altLang="en-US"/>
+          </a:p>
+        </p:txBody>
+      </p:sp>
+      <p:sp>
+        <p:nvSpPr>
+          <p:cNvPr id="3" name="内容占位符 2"/>
           <p:cNvSpPr>
             <a:spLocks noGrp="1"/>
           </p:cNvSpPr>
@@ -2257,6 +1960,7 @@
               <a:rPr lang="zh-CN" altLang="en-US"/>
               <a:t>单击此处编辑母版文本样式</a:t>
             </a:r>
+            <a:endParaRPr lang="zh-CN" altLang="en-US"/>
           </a:p>
           <a:p>
             <a:pPr lvl="1"/>
@@ -2264,6 +1968,7 @@
               <a:rPr lang="zh-CN" altLang="en-US"/>
               <a:t>二级</a:t>
             </a:r>
+            <a:endParaRPr lang="zh-CN" altLang="en-US"/>
           </a:p>
           <a:p>
             <a:pPr lvl="2"/>
@@ -2271,6 +1976,7 @@
               <a:rPr lang="zh-CN" altLang="en-US"/>
               <a:t>三级</a:t>
             </a:r>
+            <a:endParaRPr lang="zh-CN" altLang="en-US"/>
           </a:p>
           <a:p>
             <a:pPr lvl="3"/>
@@ -2278,6 +1984,7 @@
               <a:rPr lang="zh-CN" altLang="en-US"/>
               <a:t>四级</a:t>
             </a:r>
+            <a:endParaRPr lang="zh-CN" altLang="en-US"/>
           </a:p>
           <a:p>
             <a:pPr lvl="4"/>
@@ -2285,18 +1992,13 @@
               <a:rPr lang="zh-CN" altLang="en-US"/>
               <a:t>五级</a:t>
             </a:r>
-          </a:p>
-        </p:txBody>
-      </p:sp>
-      <p:sp>
-        <p:nvSpPr>
-          <p:cNvPr id="4" name="文本占位符 3">
-            <a:extLst>
-              <a:ext uri="{FF2B5EF4-FFF2-40B4-BE49-F238E27FC236}">
-                <a16:creationId xmlns:a16="http://schemas.microsoft.com/office/drawing/2014/main" id="{6B2C5165-1EDE-438D-8CBD-20316139DEFC}"/>
-              </a:ext>
-            </a:extLst>
-          </p:cNvPr>
+            <a:endParaRPr lang="zh-CN" altLang="en-US"/>
+          </a:p>
+        </p:txBody>
+      </p:sp>
+      <p:sp>
+        <p:nvSpPr>
+          <p:cNvPr id="4" name="文本占位符 3"/>
           <p:cNvSpPr>
             <a:spLocks noGrp="1"/>
           </p:cNvSpPr>
@@ -2356,18 +2058,13 @@
               <a:rPr lang="zh-CN" altLang="en-US"/>
               <a:t>单击此处编辑母版文本样式</a:t>
             </a:r>
-          </a:p>
-        </p:txBody>
-      </p:sp>
-      <p:sp>
-        <p:nvSpPr>
-          <p:cNvPr id="5" name="日期占位符 4">
-            <a:extLst>
-              <a:ext uri="{FF2B5EF4-FFF2-40B4-BE49-F238E27FC236}">
-                <a16:creationId xmlns:a16="http://schemas.microsoft.com/office/drawing/2014/main" id="{33F1C72A-7AF0-409F-8CBA-E65461A90980}"/>
-              </a:ext>
-            </a:extLst>
-          </p:cNvPr>
+            <a:endParaRPr lang="zh-CN" altLang="en-US"/>
+          </a:p>
+        </p:txBody>
+      </p:sp>
+      <p:sp>
+        <p:nvSpPr>
+          <p:cNvPr id="5" name="日期占位符 4"/>
           <p:cNvSpPr>
             <a:spLocks noGrp="1"/>
           </p:cNvSpPr>
@@ -2382,7 +2079,6 @@
           <a:p>
             <a:fld id="{FF1902EF-ED24-4827-A18D-78C12B26B797}" type="datetimeFigureOut">
               <a:rPr lang="zh-CN" altLang="en-US" smtClean="0"/>
-              <a:t>2024/4/19</a:t>
             </a:fld>
             <a:endParaRPr lang="zh-CN" altLang="en-US"/>
           </a:p>
@@ -2390,13 +2086,7 @@
       </p:sp>
       <p:sp>
         <p:nvSpPr>
-          <p:cNvPr id="6" name="页脚占位符 5">
-            <a:extLst>
-              <a:ext uri="{FF2B5EF4-FFF2-40B4-BE49-F238E27FC236}">
-                <a16:creationId xmlns:a16="http://schemas.microsoft.com/office/drawing/2014/main" id="{A9980905-4F67-4199-8DA5-2F6D86E3B552}"/>
-              </a:ext>
-            </a:extLst>
-          </p:cNvPr>
+          <p:cNvPr id="6" name="页脚占位符 5"/>
           <p:cNvSpPr>
             <a:spLocks noGrp="1"/>
           </p:cNvSpPr>
@@ -2415,13 +2105,7 @@
       </p:sp>
       <p:sp>
         <p:nvSpPr>
-          <p:cNvPr id="7" name="灯片编号占位符 6">
-            <a:extLst>
-              <a:ext uri="{FF2B5EF4-FFF2-40B4-BE49-F238E27FC236}">
-                <a16:creationId xmlns:a16="http://schemas.microsoft.com/office/drawing/2014/main" id="{47F3DE32-780B-4A80-B9C5-E9E439FD6393}"/>
-              </a:ext>
-            </a:extLst>
-          </p:cNvPr>
+          <p:cNvPr id="7" name="灯片编号占位符 6"/>
           <p:cNvSpPr>
             <a:spLocks noGrp="1"/>
           </p:cNvSpPr>
@@ -2436,18 +2120,12 @@
           <a:p>
             <a:fld id="{4DEFA10B-0570-45E6-BDDD-D60595434BE7}" type="slidenum">
               <a:rPr lang="zh-CN" altLang="en-US" smtClean="0"/>
-              <a:t>‹#›</a:t>
             </a:fld>
             <a:endParaRPr lang="zh-CN" altLang="en-US"/>
           </a:p>
         </p:txBody>
       </p:sp>
     </p:spTree>
-    <p:extLst>
-      <p:ext uri="{BB962C8B-B14F-4D97-AF65-F5344CB8AC3E}">
-        <p14:creationId xmlns:p14="http://schemas.microsoft.com/office/powerpoint/2010/main" val="2736201818"/>
-      </p:ext>
-    </p:extLst>
   </p:cSld>
   <p:clrMapOvr>
     <a:masterClrMapping/>
@@ -2474,13 +2152,7 @@
       </p:grpSpPr>
       <p:sp>
         <p:nvSpPr>
-          <p:cNvPr id="2" name="标题 1">
-            <a:extLst>
-              <a:ext uri="{FF2B5EF4-FFF2-40B4-BE49-F238E27FC236}">
-                <a16:creationId xmlns:a16="http://schemas.microsoft.com/office/drawing/2014/main" id="{7AA13D03-5C06-4A1C-A3C4-0BAB0B4F9B97}"/>
-              </a:ext>
-            </a:extLst>
-          </p:cNvPr>
+          <p:cNvPr id="2" name="标题 1"/>
           <p:cNvSpPr>
             <a:spLocks noGrp="1"/>
           </p:cNvSpPr>
@@ -2506,18 +2178,13 @@
               <a:rPr lang="zh-CN" altLang="en-US"/>
               <a:t>单击此处编辑母版标题样式</a:t>
             </a:r>
-          </a:p>
-        </p:txBody>
-      </p:sp>
-      <p:sp>
-        <p:nvSpPr>
-          <p:cNvPr id="3" name="图片占位符 2">
-            <a:extLst>
-              <a:ext uri="{FF2B5EF4-FFF2-40B4-BE49-F238E27FC236}">
-                <a16:creationId xmlns:a16="http://schemas.microsoft.com/office/drawing/2014/main" id="{89306A54-4FAD-45A3-8966-23572D4F15C0}"/>
-              </a:ext>
-            </a:extLst>
-          </p:cNvPr>
+            <a:endParaRPr lang="zh-CN" altLang="en-US"/>
+          </a:p>
+        </p:txBody>
+      </p:sp>
+      <p:sp>
+        <p:nvSpPr>
+          <p:cNvPr id="3" name="图片占位符 2"/>
           <p:cNvSpPr>
             <a:spLocks noGrp="1"/>
           </p:cNvSpPr>
@@ -2578,13 +2245,7 @@
       </p:sp>
       <p:sp>
         <p:nvSpPr>
-          <p:cNvPr id="4" name="文本占位符 3">
-            <a:extLst>
-              <a:ext uri="{FF2B5EF4-FFF2-40B4-BE49-F238E27FC236}">
-                <a16:creationId xmlns:a16="http://schemas.microsoft.com/office/drawing/2014/main" id="{1777F118-5655-467B-BFA8-800C173C0A10}"/>
-              </a:ext>
-            </a:extLst>
-          </p:cNvPr>
+          <p:cNvPr id="4" name="文本占位符 3"/>
           <p:cNvSpPr>
             <a:spLocks noGrp="1"/>
           </p:cNvSpPr>
@@ -2644,18 +2305,13 @@
               <a:rPr lang="zh-CN" altLang="en-US"/>
               <a:t>单击此处编辑母版文本样式</a:t>
             </a:r>
-          </a:p>
-        </p:txBody>
-      </p:sp>
-      <p:sp>
-        <p:nvSpPr>
-          <p:cNvPr id="5" name="日期占位符 4">
-            <a:extLst>
-              <a:ext uri="{FF2B5EF4-FFF2-40B4-BE49-F238E27FC236}">
-                <a16:creationId xmlns:a16="http://schemas.microsoft.com/office/drawing/2014/main" id="{244974FC-BBCF-4718-BF30-B88DCCDB7B97}"/>
-              </a:ext>
-            </a:extLst>
-          </p:cNvPr>
+            <a:endParaRPr lang="zh-CN" altLang="en-US"/>
+          </a:p>
+        </p:txBody>
+      </p:sp>
+      <p:sp>
+        <p:nvSpPr>
+          <p:cNvPr id="5" name="日期占位符 4"/>
           <p:cNvSpPr>
             <a:spLocks noGrp="1"/>
           </p:cNvSpPr>
@@ -2670,7 +2326,6 @@
           <a:p>
             <a:fld id="{FF1902EF-ED24-4827-A18D-78C12B26B797}" type="datetimeFigureOut">
               <a:rPr lang="zh-CN" altLang="en-US" smtClean="0"/>
-              <a:t>2024/4/19</a:t>
             </a:fld>
             <a:endParaRPr lang="zh-CN" altLang="en-US"/>
           </a:p>
@@ -2678,13 +2333,7 @@
       </p:sp>
       <p:sp>
         <p:nvSpPr>
-          <p:cNvPr id="6" name="页脚占位符 5">
-            <a:extLst>
-              <a:ext uri="{FF2B5EF4-FFF2-40B4-BE49-F238E27FC236}">
-                <a16:creationId xmlns:a16="http://schemas.microsoft.com/office/drawing/2014/main" id="{5F8236F5-5B85-4A51-A187-AFBA50237D54}"/>
-              </a:ext>
-            </a:extLst>
-          </p:cNvPr>
+          <p:cNvPr id="6" name="页脚占位符 5"/>
           <p:cNvSpPr>
             <a:spLocks noGrp="1"/>
           </p:cNvSpPr>
@@ -2703,13 +2352,7 @@
       </p:sp>
       <p:sp>
         <p:nvSpPr>
-          <p:cNvPr id="7" name="灯片编号占位符 6">
-            <a:extLst>
-              <a:ext uri="{FF2B5EF4-FFF2-40B4-BE49-F238E27FC236}">
-                <a16:creationId xmlns:a16="http://schemas.microsoft.com/office/drawing/2014/main" id="{220581C2-D7FE-4FBA-BA5A-BDF791FF7D75}"/>
-              </a:ext>
-            </a:extLst>
-          </p:cNvPr>
+          <p:cNvPr id="7" name="灯片编号占位符 6"/>
           <p:cNvSpPr>
             <a:spLocks noGrp="1"/>
           </p:cNvSpPr>
@@ -2724,18 +2367,12 @@
           <a:p>
             <a:fld id="{4DEFA10B-0570-45E6-BDDD-D60595434BE7}" type="slidenum">
               <a:rPr lang="zh-CN" altLang="en-US" smtClean="0"/>
-              <a:t>‹#›</a:t>
             </a:fld>
             <a:endParaRPr lang="zh-CN" altLang="en-US"/>
           </a:p>
         </p:txBody>
       </p:sp>
     </p:spTree>
-    <p:extLst>
-      <p:ext uri="{BB962C8B-B14F-4D97-AF65-F5344CB8AC3E}">
-        <p14:creationId xmlns:p14="http://schemas.microsoft.com/office/powerpoint/2010/main" val="248999756"/>
-      </p:ext>
-    </p:extLst>
   </p:cSld>
   <p:clrMapOvr>
     <a:masterClrMapping/>
@@ -2767,13 +2404,7 @@
       </p:grpSpPr>
       <p:sp>
         <p:nvSpPr>
-          <p:cNvPr id="2" name="标题占位符 1">
-            <a:extLst>
-              <a:ext uri="{FF2B5EF4-FFF2-40B4-BE49-F238E27FC236}">
-                <a16:creationId xmlns:a16="http://schemas.microsoft.com/office/drawing/2014/main" id="{D23CA778-1822-435E-9ECE-0FA014CF6EC1}"/>
-              </a:ext>
-            </a:extLst>
-          </p:cNvPr>
+          <p:cNvPr id="2" name="标题占位符 1"/>
           <p:cNvSpPr>
             <a:spLocks noGrp="1"/>
           </p:cNvSpPr>
@@ -2800,18 +2431,13 @@
               <a:rPr lang="zh-CN" altLang="en-US"/>
               <a:t>单击此处编辑母版标题样式</a:t>
             </a:r>
-          </a:p>
-        </p:txBody>
-      </p:sp>
-      <p:sp>
-        <p:nvSpPr>
-          <p:cNvPr id="3" name="文本占位符 2">
-            <a:extLst>
-              <a:ext uri="{FF2B5EF4-FFF2-40B4-BE49-F238E27FC236}">
-                <a16:creationId xmlns:a16="http://schemas.microsoft.com/office/drawing/2014/main" id="{A00B1772-359A-4F78-BD1C-EE50B5328908}"/>
-              </a:ext>
-            </a:extLst>
-          </p:cNvPr>
+            <a:endParaRPr lang="zh-CN" altLang="en-US"/>
+          </a:p>
+        </p:txBody>
+      </p:sp>
+      <p:sp>
+        <p:nvSpPr>
+          <p:cNvPr id="3" name="文本占位符 2"/>
           <p:cNvSpPr>
             <a:spLocks noGrp="1"/>
           </p:cNvSpPr>
@@ -2839,6 +2465,7 @@
               <a:rPr lang="zh-CN" altLang="en-US"/>
               <a:t>单击此处编辑母版文本样式</a:t>
             </a:r>
+            <a:endParaRPr lang="zh-CN" altLang="en-US"/>
           </a:p>
           <a:p>
             <a:pPr lvl="1"/>
@@ -2846,6 +2473,7 @@
               <a:rPr lang="zh-CN" altLang="en-US"/>
               <a:t>二级</a:t>
             </a:r>
+            <a:endParaRPr lang="zh-CN" altLang="en-US"/>
           </a:p>
           <a:p>
             <a:pPr lvl="2"/>
@@ -2853,6 +2481,7 @@
               <a:rPr lang="zh-CN" altLang="en-US"/>
               <a:t>三级</a:t>
             </a:r>
+            <a:endParaRPr lang="zh-CN" altLang="en-US"/>
           </a:p>
           <a:p>
             <a:pPr lvl="3"/>
@@ -2860,6 +2489,7 @@
               <a:rPr lang="zh-CN" altLang="en-US"/>
               <a:t>四级</a:t>
             </a:r>
+            <a:endParaRPr lang="zh-CN" altLang="en-US"/>
           </a:p>
           <a:p>
             <a:pPr lvl="4"/>
@@ -2867,18 +2497,13 @@
               <a:rPr lang="zh-CN" altLang="en-US"/>
               <a:t>五级</a:t>
             </a:r>
-          </a:p>
-        </p:txBody>
-      </p:sp>
-      <p:sp>
-        <p:nvSpPr>
-          <p:cNvPr id="4" name="日期占位符 3">
-            <a:extLst>
-              <a:ext uri="{FF2B5EF4-FFF2-40B4-BE49-F238E27FC236}">
-                <a16:creationId xmlns:a16="http://schemas.microsoft.com/office/drawing/2014/main" id="{B86E9B23-05A7-489E-ACEF-237064383F9D}"/>
-              </a:ext>
-            </a:extLst>
-          </p:cNvPr>
+            <a:endParaRPr lang="zh-CN" altLang="en-US"/>
+          </a:p>
+        </p:txBody>
+      </p:sp>
+      <p:sp>
+        <p:nvSpPr>
+          <p:cNvPr id="4" name="日期占位符 3"/>
           <p:cNvSpPr>
             <a:spLocks noGrp="1"/>
           </p:cNvSpPr>
@@ -2911,7 +2536,6 @@
           <a:p>
             <a:fld id="{FF1902EF-ED24-4827-A18D-78C12B26B797}" type="datetimeFigureOut">
               <a:rPr lang="zh-CN" altLang="en-US" smtClean="0"/>
-              <a:t>2024/4/19</a:t>
             </a:fld>
             <a:endParaRPr lang="zh-CN" altLang="en-US"/>
           </a:p>
@@ -2919,13 +2543,7 @@
       </p:sp>
       <p:sp>
         <p:nvSpPr>
-          <p:cNvPr id="5" name="页脚占位符 4">
-            <a:extLst>
-              <a:ext uri="{FF2B5EF4-FFF2-40B4-BE49-F238E27FC236}">
-                <a16:creationId xmlns:a16="http://schemas.microsoft.com/office/drawing/2014/main" id="{EEA3E9D8-5897-4A4F-8109-EF998D751495}"/>
-              </a:ext>
-            </a:extLst>
-          </p:cNvPr>
+          <p:cNvPr id="5" name="页脚占位符 4"/>
           <p:cNvSpPr>
             <a:spLocks noGrp="1"/>
           </p:cNvSpPr>
@@ -2962,13 +2580,7 @@
       </p:sp>
       <p:sp>
         <p:nvSpPr>
-          <p:cNvPr id="6" name="灯片编号占位符 5">
-            <a:extLst>
-              <a:ext uri="{FF2B5EF4-FFF2-40B4-BE49-F238E27FC236}">
-                <a16:creationId xmlns:a16="http://schemas.microsoft.com/office/drawing/2014/main" id="{136A93DB-DADE-4EF5-98F8-E524C74B801F}"/>
-              </a:ext>
-            </a:extLst>
-          </p:cNvPr>
+          <p:cNvPr id="6" name="灯片编号占位符 5"/>
           <p:cNvSpPr>
             <a:spLocks noGrp="1"/>
           </p:cNvSpPr>
@@ -3001,18 +2613,12 @@
           <a:p>
             <a:fld id="{4DEFA10B-0570-45E6-BDDD-D60595434BE7}" type="slidenum">
               <a:rPr lang="zh-CN" altLang="en-US" smtClean="0"/>
-              <a:t>‹#›</a:t>
             </a:fld>
             <a:endParaRPr lang="zh-CN" altLang="en-US"/>
           </a:p>
         </p:txBody>
       </p:sp>
     </p:spTree>
-    <p:extLst>
-      <p:ext uri="{BB962C8B-B14F-4D97-AF65-F5344CB8AC3E}">
-        <p14:creationId xmlns:p14="http://schemas.microsoft.com/office/powerpoint/2010/main" val="1858582446"/>
-      </p:ext>
-    </p:extLst>
   </p:cSld>
   <p:clrMap bg1="lt1" tx1="dk1" bg2="lt2" tx2="dk2" accent1="accent1" accent2="accent2" accent3="accent3" accent4="accent4" accent5="accent5" accent6="accent6" hlink="hlink" folHlink="folHlink"/>
   <p:sldLayoutIdLst>
@@ -3330,13 +2936,7 @@
       </p:grpSpPr>
       <p:sp>
         <p:nvSpPr>
-          <p:cNvPr id="2" name="标题 1">
-            <a:extLst>
-              <a:ext uri="{FF2B5EF4-FFF2-40B4-BE49-F238E27FC236}">
-                <a16:creationId xmlns:a16="http://schemas.microsoft.com/office/drawing/2014/main" id="{EDE30677-576D-4C46-9CBE-7E893113F03C}"/>
-              </a:ext>
-            </a:extLst>
-          </p:cNvPr>
+          <p:cNvPr id="2" name="标题 1"/>
           <p:cNvSpPr>
             <a:spLocks noGrp="1"/>
           </p:cNvSpPr>
@@ -3353,18 +2953,13 @@
               <a:rPr lang="zh-CN" altLang="en-US" dirty="0"/>
               <a:t>中期检查</a:t>
             </a:r>
-          </a:p>
-        </p:txBody>
-      </p:sp>
-      <p:sp>
-        <p:nvSpPr>
-          <p:cNvPr id="3" name="副标题 2">
-            <a:extLst>
-              <a:ext uri="{FF2B5EF4-FFF2-40B4-BE49-F238E27FC236}">
-                <a16:creationId xmlns:a16="http://schemas.microsoft.com/office/drawing/2014/main" id="{7DD53DDC-A5C9-42C2-B8E1-3DD447BFCF2C}"/>
-              </a:ext>
-            </a:extLst>
-          </p:cNvPr>
+            <a:endParaRPr lang="zh-CN" altLang="en-US" dirty="0"/>
+          </a:p>
+        </p:txBody>
+      </p:sp>
+      <p:sp>
+        <p:nvSpPr>
+          <p:cNvPr id="3" name="副标题 2"/>
           <p:cNvSpPr>
             <a:spLocks noGrp="1"/>
           </p:cNvSpPr>
@@ -3382,11 +2977,393 @@
         </p:txBody>
       </p:sp>
     </p:spTree>
-    <p:extLst>
-      <p:ext uri="{BB962C8B-B14F-4D97-AF65-F5344CB8AC3E}">
-        <p14:creationId xmlns:p14="http://schemas.microsoft.com/office/powerpoint/2010/main" val="3316296899"/>
-      </p:ext>
-    </p:extLst>
+  </p:cSld>
+  <p:clrMapOvr>
+    <a:masterClrMapping/>
+  </p:clrMapOvr>
+</p:sld>
+</file>
+
+<file path=ppt/slides/slide10.xml><?xml version="1.0" encoding="utf-8"?>
+<p:sld xmlns:a="http://schemas.openxmlformats.org/drawingml/2006/main" xmlns:r="http://schemas.openxmlformats.org/officeDocument/2006/relationships" xmlns:p="http://schemas.openxmlformats.org/presentationml/2006/main">
+  <p:cSld>
+    <p:spTree>
+      <p:nvGrpSpPr>
+        <p:cNvPr id="1" name=""/>
+        <p:cNvGrpSpPr/>
+        <p:nvPr/>
+      </p:nvGrpSpPr>
+      <p:grpSpPr/>
+      <p:sp>
+        <p:nvSpPr>
+          <p:cNvPr id="2" name="标题 1"/>
+          <p:cNvSpPr>
+            <a:spLocks noGrp="1"/>
+          </p:cNvSpPr>
+          <p:nvPr>
+            <p:ph type="title"/>
+          </p:nvPr>
+        </p:nvSpPr>
+        <p:spPr/>
+        <p:txBody>
+          <a:bodyPr>
+            <a:normAutofit/>
+          </a:bodyPr>
+          <a:p>
+            <a:pPr algn="l">
+              <a:buClrTx/>
+              <a:buSzTx/>
+              <a:buFontTx/>
+            </a:pPr>
+            <a:r>
+              <a:rPr lang="zh-CN" altLang="en-US" sz="3500">
+                <a:latin typeface="+mn-lt"/>
+                <a:ea typeface="+mn-ea"/>
+                <a:cs typeface="+mn-cs"/>
+                <a:sym typeface="+mn-ea"/>
+              </a:rPr>
+              <a:t>与函数名相同变量的转换：</a:t>
+            </a:r>
+            <a:endParaRPr lang="zh-CN" altLang="en-US" sz="3500">
+              <a:latin typeface="+mn-lt"/>
+              <a:ea typeface="+mn-ea"/>
+              <a:cs typeface="+mn-cs"/>
+              <a:sym typeface="+mn-ea"/>
+            </a:endParaRPr>
+          </a:p>
+        </p:txBody>
+      </p:sp>
+      <p:pic>
+        <p:nvPicPr>
+          <p:cNvPr id="4" name="内容占位符 3"/>
+          <p:cNvPicPr>
+            <a:picLocks noChangeAspect="1"/>
+          </p:cNvPicPr>
+          <p:nvPr>
+            <p:ph idx="1"/>
+            <p:custDataLst>
+              <p:tags r:id="rId1"/>
+            </p:custDataLst>
+          </p:nvPr>
+        </p:nvPicPr>
+        <p:blipFill>
+          <a:blip r:embed="rId2"/>
+          <a:stretch>
+            <a:fillRect/>
+          </a:stretch>
+        </p:blipFill>
+        <p:spPr>
+          <a:xfrm>
+            <a:off x="923290" y="4777105"/>
+            <a:ext cx="4023360" cy="1226820"/>
+          </a:xfrm>
+          <a:prstGeom prst="rect">
+            <a:avLst/>
+          </a:prstGeom>
+        </p:spPr>
+      </p:pic>
+      <p:sp>
+        <p:nvSpPr>
+          <p:cNvPr id="5" name="文本框 4"/>
+          <p:cNvSpPr txBox="1"/>
+          <p:nvPr/>
+        </p:nvSpPr>
+        <p:spPr>
+          <a:xfrm>
+            <a:off x="923290" y="1878965"/>
+            <a:ext cx="10732770" cy="3117850"/>
+          </a:xfrm>
+          <a:prstGeom prst="rect">
+            <a:avLst/>
+          </a:prstGeom>
+          <a:noFill/>
+        </p:spPr>
+        <p:txBody>
+          <a:bodyPr wrap="square" rtlCol="0">
+            <a:spAutoFit/>
+          </a:bodyPr>
+          <a:p>
+            <a:pPr algn="l">
+              <a:lnSpc>
+                <a:spcPct val="90000"/>
+              </a:lnSpc>
+              <a:buClrTx/>
+              <a:buSzTx/>
+              <a:buFontTx/>
+            </a:pPr>
+            <a:r>
+              <a:rPr lang="zh-CN" altLang="en-US" sz="2400"/>
+              <a:t>pascal允许在没有事先定义的情况下使用与函数名相同的变量作为返回值</a:t>
+            </a:r>
+            <a:endParaRPr lang="zh-CN" altLang="en-US" sz="2400"/>
+          </a:p>
+          <a:p>
+            <a:pPr algn="l">
+              <a:lnSpc>
+                <a:spcPct val="90000"/>
+              </a:lnSpc>
+              <a:buClrTx/>
+              <a:buSzTx/>
+              <a:buFontTx/>
+            </a:pPr>
+            <a:endParaRPr lang="zh-CN" altLang="en-US" sz="2400"/>
+          </a:p>
+          <a:p>
+            <a:pPr algn="l">
+              <a:lnSpc>
+                <a:spcPct val="90000"/>
+              </a:lnSpc>
+              <a:buClrTx/>
+              <a:buSzTx/>
+              <a:buFontTx/>
+            </a:pPr>
+            <a:endParaRPr lang="zh-CN" altLang="en-US" sz="2400"/>
+          </a:p>
+          <a:p>
+            <a:pPr algn="l">
+              <a:lnSpc>
+                <a:spcPct val="90000"/>
+              </a:lnSpc>
+              <a:buClrTx/>
+              <a:buSzTx/>
+              <a:buFontTx/>
+            </a:pPr>
+            <a:endParaRPr lang="zh-CN" altLang="en-US" sz="2400"/>
+          </a:p>
+          <a:p>
+            <a:pPr algn="l">
+              <a:lnSpc>
+                <a:spcPct val="90000"/>
+              </a:lnSpc>
+              <a:buClrTx/>
+              <a:buSzTx/>
+              <a:buFontTx/>
+            </a:pPr>
+            <a:endParaRPr lang="zh-CN" altLang="en-US" sz="2400"/>
+          </a:p>
+          <a:p>
+            <a:pPr algn="l">
+              <a:lnSpc>
+                <a:spcPct val="90000"/>
+              </a:lnSpc>
+              <a:buClrTx/>
+              <a:buSzTx/>
+              <a:buFontTx/>
+            </a:pPr>
+            <a:endParaRPr lang="zh-CN" altLang="en-US" sz="2400"/>
+          </a:p>
+          <a:p>
+            <a:pPr algn="l">
+              <a:lnSpc>
+                <a:spcPct val="90000"/>
+              </a:lnSpc>
+              <a:buClrTx/>
+              <a:buSzTx/>
+              <a:buFontTx/>
+            </a:pPr>
+            <a:endParaRPr lang="zh-CN" altLang="en-US" sz="2400"/>
+          </a:p>
+          <a:p>
+            <a:pPr algn="l">
+              <a:lnSpc>
+                <a:spcPct val="90000"/>
+              </a:lnSpc>
+              <a:buClrTx/>
+              <a:buSzTx/>
+              <a:buFontTx/>
+            </a:pPr>
+            <a:r>
+              <a:rPr lang="zh-CN" altLang="en-US" sz="2400"/>
+              <a:t>因此在函数体内遇到与函数名相同的</a:t>
+            </a:r>
+            <a:r>
+              <a:rPr lang="en-US" altLang="zh-CN" sz="2400"/>
+              <a:t>id</a:t>
+            </a:r>
+            <a:r>
+              <a:rPr lang="zh-CN" altLang="en-US" sz="2400"/>
+              <a:t>，且并非函数递归调用时，对</a:t>
+            </a:r>
+            <a:r>
+              <a:rPr lang="en-US" altLang="zh-CN" sz="2400"/>
+              <a:t>id</a:t>
+            </a:r>
+            <a:r>
+              <a:rPr lang="zh-CN" altLang="en-US" sz="2400"/>
+              <a:t>做</a:t>
+            </a:r>
+            <a:r>
+              <a:rPr lang="zh-CN" altLang="en-US" sz="2400"/>
+              <a:t>转换</a:t>
+            </a:r>
+            <a:endParaRPr lang="zh-CN" altLang="en-US" sz="2400"/>
+          </a:p>
+          <a:p>
+            <a:endParaRPr lang="zh-CN" altLang="en-US" sz="2400"/>
+          </a:p>
+        </p:txBody>
+      </p:sp>
+      <p:pic>
+        <p:nvPicPr>
+          <p:cNvPr id="6" name="图片 5"/>
+          <p:cNvPicPr>
+            <a:picLocks noChangeAspect="1"/>
+          </p:cNvPicPr>
+          <p:nvPr>
+            <p:custDataLst>
+              <p:tags r:id="rId3"/>
+            </p:custDataLst>
+          </p:nvPr>
+        </p:nvPicPr>
+        <p:blipFill>
+          <a:blip r:embed="rId4"/>
+          <a:stretch>
+            <a:fillRect/>
+          </a:stretch>
+        </p:blipFill>
+        <p:spPr>
+          <a:xfrm>
+            <a:off x="1008380" y="2483485"/>
+            <a:ext cx="3261360" cy="1424940"/>
+          </a:xfrm>
+          <a:prstGeom prst="rect">
+            <a:avLst/>
+          </a:prstGeom>
+        </p:spPr>
+      </p:pic>
+    </p:spTree>
+  </p:cSld>
+  <p:clrMapOvr>
+    <a:masterClrMapping/>
+  </p:clrMapOvr>
+</p:sld>
+</file>
+
+<file path=ppt/slides/slide11.xml><?xml version="1.0" encoding="utf-8"?>
+<p:sld xmlns:a="http://schemas.openxmlformats.org/drawingml/2006/main" xmlns:r="http://schemas.openxmlformats.org/officeDocument/2006/relationships" xmlns:p="http://schemas.openxmlformats.org/presentationml/2006/main">
+  <p:cSld>
+    <p:spTree>
+      <p:nvGrpSpPr>
+        <p:cNvPr id="1" name=""/>
+        <p:cNvGrpSpPr/>
+        <p:nvPr/>
+      </p:nvGrpSpPr>
+      <p:grpSpPr>
+        <a:xfrm>
+          <a:off x="0" y="0"/>
+          <a:ext cx="0" cy="0"/>
+          <a:chOff x="0" y="0"/>
+          <a:chExt cx="0" cy="0"/>
+        </a:xfrm>
+      </p:grpSpPr>
+      <p:sp>
+        <p:nvSpPr>
+          <p:cNvPr id="2" name="标题 1"/>
+          <p:cNvSpPr>
+            <a:spLocks noGrp="1"/>
+          </p:cNvSpPr>
+          <p:nvPr>
+            <p:ph type="title"/>
+          </p:nvPr>
+        </p:nvSpPr>
+        <p:spPr/>
+        <p:txBody>
+          <a:bodyPr/>
+          <a:lstStyle/>
+          <a:p>
+            <a:r>
+              <a:rPr lang="en-US" altLang="zh-CN" dirty="0" err="1"/>
+              <a:t>Todo</a:t>
+            </a:r>
+            <a:endParaRPr lang="zh-CN" altLang="en-US" dirty="0"/>
+          </a:p>
+        </p:txBody>
+      </p:sp>
+      <p:sp>
+        <p:nvSpPr>
+          <p:cNvPr id="3" name="内容占位符 2"/>
+          <p:cNvSpPr>
+            <a:spLocks noGrp="1"/>
+          </p:cNvSpPr>
+          <p:nvPr>
+            <p:ph idx="1"/>
+          </p:nvPr>
+        </p:nvSpPr>
+        <p:spPr/>
+        <p:txBody>
+          <a:bodyPr/>
+          <a:lstStyle/>
+          <a:p>
+            <a:r>
+              <a:rPr lang="zh-CN" altLang="en-US" dirty="0"/>
+              <a:t>完善类型</a:t>
+            </a:r>
+            <a:r>
+              <a:rPr lang="zh-CN" altLang="en-US" dirty="0"/>
+              <a:t>检查</a:t>
+            </a:r>
+            <a:endParaRPr lang="zh-CN" altLang="en-US" dirty="0"/>
+          </a:p>
+          <a:p>
+            <a:r>
+              <a:rPr lang="zh-CN" altLang="en-US" dirty="0"/>
+              <a:t>错误处理</a:t>
+            </a:r>
+            <a:endParaRPr lang="en-US" altLang="zh-CN" dirty="0"/>
+          </a:p>
+          <a:p>
+            <a:pPr lvl="1"/>
+            <a:r>
+              <a:rPr lang="zh-CN" altLang="en-US" dirty="0"/>
+              <a:t>错误的具体原因</a:t>
+            </a:r>
+            <a:endParaRPr lang="en-US" altLang="zh-CN" dirty="0"/>
+          </a:p>
+          <a:p>
+            <a:pPr lvl="1"/>
+            <a:r>
+              <a:rPr lang="zh-CN" altLang="en-US" dirty="0"/>
+              <a:t>错误定位</a:t>
+            </a:r>
+            <a:endParaRPr lang="zh-CN" altLang="en-US" dirty="0"/>
+          </a:p>
+          <a:p>
+            <a:pPr marL="228600" lvl="0" indent="-228600">
+              <a:buFont typeface="Arial" panose="020B0604020202020204" pitchFamily="34" charset="0"/>
+              <a:buChar char="•"/>
+            </a:pPr>
+            <a:r>
+              <a:rPr lang="en-US" altLang="zh-CN" dirty="0">
+                <a:solidFill>
+                  <a:schemeClr val="tx1"/>
+                </a:solidFill>
+              </a:rPr>
+              <a:t>GUI</a:t>
+            </a:r>
+            <a:r>
+              <a:rPr lang="zh-CN" altLang="en-US" dirty="0">
+                <a:solidFill>
+                  <a:schemeClr val="tx1"/>
+                </a:solidFill>
+              </a:rPr>
+              <a:t>界面</a:t>
+            </a:r>
+            <a:endParaRPr lang="zh-CN" altLang="en-US" dirty="0">
+              <a:solidFill>
+                <a:schemeClr val="tx1"/>
+              </a:solidFill>
+            </a:endParaRPr>
+          </a:p>
+          <a:p>
+            <a:pPr lvl="1"/>
+            <a:endParaRPr lang="en-US" altLang="zh-CN" dirty="0"/>
+          </a:p>
+          <a:p>
+            <a:endParaRPr lang="zh-CN" altLang="en-US" dirty="0"/>
+          </a:p>
+        </p:txBody>
+      </p:sp>
+    </p:spTree>
   </p:cSld>
   <p:clrMapOvr>
     <a:masterClrMapping/>
@@ -3413,13 +3390,7 @@
       </p:grpSpPr>
       <p:sp>
         <p:nvSpPr>
-          <p:cNvPr id="2" name="标题 1">
-            <a:extLst>
-              <a:ext uri="{FF2B5EF4-FFF2-40B4-BE49-F238E27FC236}">
-                <a16:creationId xmlns:a16="http://schemas.microsoft.com/office/drawing/2014/main" id="{358E0CCD-6E30-4BEB-8908-39C3D7FBED4F}"/>
-              </a:ext>
-            </a:extLst>
-          </p:cNvPr>
+          <p:cNvPr id="2" name="标题 1"/>
           <p:cNvSpPr>
             <a:spLocks noGrp="1"/>
           </p:cNvSpPr>
@@ -3436,25 +3407,20 @@
               <a:rPr lang="zh-CN" altLang="en-US" dirty="0"/>
               <a:t>数据流</a:t>
             </a:r>
+            <a:endParaRPr lang="zh-CN" altLang="en-US" dirty="0"/>
           </a:p>
         </p:txBody>
       </p:sp>
       <p:pic>
         <p:nvPicPr>
-          <p:cNvPr id="43" name="图片 42">
-            <a:extLst>
-              <a:ext uri="{FF2B5EF4-FFF2-40B4-BE49-F238E27FC236}">
-                <a16:creationId xmlns:a16="http://schemas.microsoft.com/office/drawing/2014/main" id="{978E8187-3349-4263-BFA2-5F6C08FC30FD}"/>
-              </a:ext>
-            </a:extLst>
-          </p:cNvPr>
+          <p:cNvPr id="43" name="图片 42"/>
           <p:cNvPicPr>
             <a:picLocks noChangeAspect="1"/>
           </p:cNvPicPr>
           <p:nvPr/>
         </p:nvPicPr>
         <p:blipFill>
-          <a:blip r:embed="rId2"/>
+          <a:blip r:embed="rId1"/>
           <a:stretch>
             <a:fillRect/>
           </a:stretch>
@@ -3470,11 +3436,6 @@
         </p:spPr>
       </p:pic>
     </p:spTree>
-    <p:extLst>
-      <p:ext uri="{BB962C8B-B14F-4D97-AF65-F5344CB8AC3E}">
-        <p14:creationId xmlns:p14="http://schemas.microsoft.com/office/powerpoint/2010/main" val="934688080"/>
-      </p:ext>
-    </p:extLst>
   </p:cSld>
   <p:clrMapOvr>
     <a:masterClrMapping/>
@@ -3501,13 +3462,7 @@
       </p:grpSpPr>
       <p:sp>
         <p:nvSpPr>
-          <p:cNvPr id="2" name="标题 1">
-            <a:extLst>
-              <a:ext uri="{FF2B5EF4-FFF2-40B4-BE49-F238E27FC236}">
-                <a16:creationId xmlns:a16="http://schemas.microsoft.com/office/drawing/2014/main" id="{C3A3327B-C920-4BBB-BC78-6919B940B91F}"/>
-              </a:ext>
-            </a:extLst>
-          </p:cNvPr>
+          <p:cNvPr id="2" name="标题 1"/>
           <p:cNvSpPr>
             <a:spLocks noGrp="1"/>
           </p:cNvSpPr>
@@ -3524,18 +3479,13 @@
               <a:rPr lang="zh-CN" altLang="en-US" dirty="0"/>
               <a:t>预处理</a:t>
             </a:r>
-          </a:p>
-        </p:txBody>
-      </p:sp>
-      <p:sp>
-        <p:nvSpPr>
-          <p:cNvPr id="3" name="内容占位符 2">
-            <a:extLst>
-              <a:ext uri="{FF2B5EF4-FFF2-40B4-BE49-F238E27FC236}">
-                <a16:creationId xmlns:a16="http://schemas.microsoft.com/office/drawing/2014/main" id="{BA39D62D-7910-45BF-B411-868311682910}"/>
-              </a:ext>
-            </a:extLst>
-          </p:cNvPr>
+            <a:endParaRPr lang="zh-CN" altLang="en-US" dirty="0"/>
+          </a:p>
+        </p:txBody>
+      </p:sp>
+      <p:sp>
+        <p:nvSpPr>
+          <p:cNvPr id="3" name="内容占位符 2"/>
           <p:cNvSpPr>
             <a:spLocks noGrp="1"/>
           </p:cNvSpPr>
@@ -3562,6 +3512,7 @@
               <a:rPr lang="en-US" altLang="zh-CN" sz="1800" dirty="0"/>
               <a:t>program Answer;</a:t>
             </a:r>
+            <a:endParaRPr lang="en-US" altLang="zh-CN" sz="1800" dirty="0"/>
           </a:p>
           <a:p>
             <a:pPr marL="0" indent="0">
@@ -3571,6 +3522,7 @@
               <a:rPr lang="en-US" altLang="zh-CN" sz="1800" dirty="0"/>
               <a:t>{Answer to the Ultimate Question of Life, the Universe, and Everything}</a:t>
             </a:r>
+            <a:endParaRPr lang="en-US" altLang="zh-CN" sz="1800" dirty="0"/>
           </a:p>
           <a:p>
             <a:pPr marL="0" indent="0">
@@ -3586,6 +3538,7 @@
               <a:rPr lang="en-US" altLang="zh-CN" sz="1800" dirty="0"/>
               <a:t>begin</a:t>
             </a:r>
+            <a:endParaRPr lang="en-US" altLang="zh-CN" sz="1800" dirty="0"/>
           </a:p>
           <a:p>
             <a:pPr marL="0" indent="0">
@@ -3595,6 +3548,7 @@
               <a:rPr lang="en-US" altLang="zh-CN" sz="1800" dirty="0"/>
               <a:t>  X := 42; {Set X to 42}</a:t>
             </a:r>
+            <a:endParaRPr lang="en-US" altLang="zh-CN" sz="1800" dirty="0"/>
           </a:p>
           <a:p>
             <a:pPr marL="0" indent="0">
@@ -3612,6 +3566,7 @@
               <a:rPr lang="en-US" altLang="zh-CN" sz="1800" dirty="0"/>
               <a:t>(X) {Write X to the screen}</a:t>
             </a:r>
+            <a:endParaRPr lang="en-US" altLang="zh-CN" sz="1800" dirty="0"/>
           </a:p>
           <a:p>
             <a:pPr marL="0" indent="0">
@@ -3627,13 +3582,7 @@
       </p:sp>
       <p:sp>
         <p:nvSpPr>
-          <p:cNvPr id="5" name="Rectangle 2">
-            <a:extLst>
-              <a:ext uri="{FF2B5EF4-FFF2-40B4-BE49-F238E27FC236}">
-                <a16:creationId xmlns:a16="http://schemas.microsoft.com/office/drawing/2014/main" id="{C9705B0E-E0C4-41E6-A4E5-49B918C4EE47}"/>
-              </a:ext>
-            </a:extLst>
-          </p:cNvPr>
+          <p:cNvPr id="5" name="Rectangle 2"/>
           <p:cNvSpPr>
             <a:spLocks noChangeArrowheads="1"/>
           </p:cNvSpPr>
@@ -3678,9 +3627,6 @@
         </p:spPr>
         <p:txBody>
           <a:bodyPr vert="horz" wrap="none" lIns="0" tIns="0" rIns="0" bIns="0" numCol="1" anchor="ctr" anchorCtr="0" compatLnSpc="1">
-            <a:prstTxWarp prst="textNoShape">
-              <a:avLst/>
-            </a:prstTxWarp>
             <a:spAutoFit/>
           </a:bodyPr>
           <a:lstStyle/>
@@ -3699,7 +3645,6 @@
               <a:buSzTx/>
               <a:buFontTx/>
               <a:buNone/>
-              <a:tabLst/>
             </a:pPr>
             <a:endParaRPr kumimoji="0" lang="zh-CN" altLang="zh-CN" sz="1800" b="0" i="0" u="none" strike="noStrike" cap="none" normalizeH="0" baseline="0" dirty="0">
               <a:ln>
@@ -3716,16 +3661,8 @@
       </p:sp>
       <p:sp>
         <p:nvSpPr>
-          <p:cNvPr id="6" name="内容占位符 2">
-            <a:extLst>
-              <a:ext uri="{FF2B5EF4-FFF2-40B4-BE49-F238E27FC236}">
-                <a16:creationId xmlns:a16="http://schemas.microsoft.com/office/drawing/2014/main" id="{707D58BA-C497-427D-A4E9-C7D766E55FF2}"/>
-              </a:ext>
-            </a:extLst>
-          </p:cNvPr>
-          <p:cNvSpPr txBox="1">
-            <a:spLocks/>
-          </p:cNvSpPr>
+          <p:cNvPr id="6" name="内容占位符 2"/>
+          <p:cNvSpPr txBox="1"/>
           <p:nvPr/>
         </p:nvSpPr>
         <p:spPr>
@@ -3913,6 +3850,7 @@
               <a:rPr lang="en-US" altLang="zh-CN" sz="1800" dirty="0"/>
               <a:t>program answer;</a:t>
             </a:r>
+            <a:endParaRPr lang="en-US" altLang="zh-CN" sz="1800" dirty="0"/>
           </a:p>
           <a:p>
             <a:pPr marL="0" indent="0">
@@ -3934,6 +3872,7 @@
               <a:rPr lang="en-US" altLang="zh-CN" sz="1800" dirty="0"/>
               <a:t>begin</a:t>
             </a:r>
+            <a:endParaRPr lang="en-US" altLang="zh-CN" sz="1800" dirty="0"/>
           </a:p>
           <a:p>
             <a:pPr marL="0" indent="0">
@@ -3943,6 +3882,7 @@
               <a:rPr lang="en-US" altLang="zh-CN" sz="1800" dirty="0"/>
               <a:t>  x := 42; </a:t>
             </a:r>
+            <a:endParaRPr lang="en-US" altLang="zh-CN" sz="1800" dirty="0"/>
           </a:p>
           <a:p>
             <a:pPr marL="0" indent="0">
@@ -3960,6 +3900,7 @@
               <a:rPr lang="en-US" altLang="zh-CN" sz="1800" dirty="0"/>
               <a:t>(x) </a:t>
             </a:r>
+            <a:endParaRPr lang="en-US" altLang="zh-CN" sz="1800" dirty="0"/>
           </a:p>
           <a:p>
             <a:pPr marL="0" indent="0">
@@ -3974,11 +3915,6 @@
         </p:txBody>
       </p:sp>
     </p:spTree>
-    <p:extLst>
-      <p:ext uri="{BB962C8B-B14F-4D97-AF65-F5344CB8AC3E}">
-        <p14:creationId xmlns:p14="http://schemas.microsoft.com/office/powerpoint/2010/main" val="348498436"/>
-      </p:ext>
-    </p:extLst>
   </p:cSld>
   <p:clrMapOvr>
     <a:masterClrMapping/>
@@ -4005,13 +3941,7 @@
       </p:grpSpPr>
       <p:sp>
         <p:nvSpPr>
-          <p:cNvPr id="2" name="标题 1">
-            <a:extLst>
-              <a:ext uri="{FF2B5EF4-FFF2-40B4-BE49-F238E27FC236}">
-                <a16:creationId xmlns:a16="http://schemas.microsoft.com/office/drawing/2014/main" id="{C3A3327B-C920-4BBB-BC78-6919B940B91F}"/>
-              </a:ext>
-            </a:extLst>
-          </p:cNvPr>
+          <p:cNvPr id="2" name="标题 1"/>
           <p:cNvSpPr>
             <a:spLocks noGrp="1"/>
           </p:cNvSpPr>
@@ -4028,18 +3958,13 @@
               <a:rPr lang="zh-CN" altLang="en-US" dirty="0"/>
               <a:t>解析</a:t>
             </a:r>
-          </a:p>
-        </p:txBody>
-      </p:sp>
-      <p:sp>
-        <p:nvSpPr>
-          <p:cNvPr id="3" name="内容占位符 2">
-            <a:extLst>
-              <a:ext uri="{FF2B5EF4-FFF2-40B4-BE49-F238E27FC236}">
-                <a16:creationId xmlns:a16="http://schemas.microsoft.com/office/drawing/2014/main" id="{BA39D62D-7910-45BF-B411-868311682910}"/>
-              </a:ext>
-            </a:extLst>
-          </p:cNvPr>
+            <a:endParaRPr lang="zh-CN" altLang="en-US" dirty="0"/>
+          </a:p>
+        </p:txBody>
+      </p:sp>
+      <p:sp>
+        <p:nvSpPr>
+          <p:cNvPr id="3" name="内容占位符 2"/>
           <p:cNvSpPr>
             <a:spLocks noGrp="1"/>
           </p:cNvSpPr>
@@ -4066,6 +3991,7 @@
               <a:rPr lang="en-US" altLang="zh-CN" sz="1800" dirty="0"/>
               <a:t>program answer;</a:t>
             </a:r>
+            <a:endParaRPr lang="en-US" altLang="zh-CN" sz="1800" dirty="0"/>
           </a:p>
           <a:p>
             <a:pPr marL="0" indent="0">
@@ -4087,6 +4013,7 @@
               <a:rPr lang="en-US" altLang="zh-CN" sz="1800" dirty="0"/>
               <a:t>begin</a:t>
             </a:r>
+            <a:endParaRPr lang="en-US" altLang="zh-CN" sz="1800" dirty="0"/>
           </a:p>
           <a:p>
             <a:pPr marL="0" indent="0">
@@ -4096,6 +4023,7 @@
               <a:rPr lang="en-US" altLang="zh-CN" sz="1800" dirty="0"/>
               <a:t>  x := 42; </a:t>
             </a:r>
+            <a:endParaRPr lang="en-US" altLang="zh-CN" sz="1800" dirty="0"/>
           </a:p>
           <a:p>
             <a:pPr marL="0" indent="0">
@@ -4113,6 +4041,7 @@
               <a:rPr lang="en-US" altLang="zh-CN" sz="1800" dirty="0"/>
               <a:t>(x) </a:t>
             </a:r>
+            <a:endParaRPr lang="en-US" altLang="zh-CN" sz="1800" dirty="0"/>
           </a:p>
           <a:p>
             <a:pPr marL="0" indent="0">
@@ -4128,13 +4057,7 @@
       </p:sp>
       <p:sp>
         <p:nvSpPr>
-          <p:cNvPr id="5" name="Rectangle 2">
-            <a:extLst>
-              <a:ext uri="{FF2B5EF4-FFF2-40B4-BE49-F238E27FC236}">
-                <a16:creationId xmlns:a16="http://schemas.microsoft.com/office/drawing/2014/main" id="{C9705B0E-E0C4-41E6-A4E5-49B918C4EE47}"/>
-              </a:ext>
-            </a:extLst>
-          </p:cNvPr>
+          <p:cNvPr id="5" name="Rectangle 2"/>
           <p:cNvSpPr>
             <a:spLocks noChangeArrowheads="1"/>
           </p:cNvSpPr>
@@ -4179,9 +4102,6 @@
         </p:spPr>
         <p:txBody>
           <a:bodyPr vert="horz" wrap="none" lIns="0" tIns="0" rIns="0" bIns="0" numCol="1" anchor="ctr" anchorCtr="0" compatLnSpc="1">
-            <a:prstTxWarp prst="textNoShape">
-              <a:avLst/>
-            </a:prstTxWarp>
             <a:spAutoFit/>
           </a:bodyPr>
           <a:lstStyle/>
@@ -4200,7 +4120,6 @@
               <a:buSzTx/>
               <a:buFontTx/>
               <a:buNone/>
-              <a:tabLst/>
             </a:pPr>
             <a:endParaRPr kumimoji="0" lang="zh-CN" altLang="zh-CN" sz="1800" b="0" i="0" u="none" strike="noStrike" cap="none" normalizeH="0" baseline="0" dirty="0">
               <a:ln>
@@ -4217,16 +4136,8 @@
       </p:sp>
       <p:sp>
         <p:nvSpPr>
-          <p:cNvPr id="6" name="内容占位符 2">
-            <a:extLst>
-              <a:ext uri="{FF2B5EF4-FFF2-40B4-BE49-F238E27FC236}">
-                <a16:creationId xmlns:a16="http://schemas.microsoft.com/office/drawing/2014/main" id="{707D58BA-C497-427D-A4E9-C7D766E55FF2}"/>
-              </a:ext>
-            </a:extLst>
-          </p:cNvPr>
-          <p:cNvSpPr txBox="1">
-            <a:spLocks/>
-          </p:cNvSpPr>
+          <p:cNvPr id="6" name="内容占位符 2"/>
+          <p:cNvSpPr txBox="1"/>
           <p:nvPr/>
         </p:nvSpPr>
         <p:spPr>
@@ -4420,6 +4331,7 @@
               <a:rPr lang="en-US" altLang="zh-CN" sz="1200" dirty="0"/>
               <a:t>programstruct</a:t>
             </a:r>
+            <a:endParaRPr lang="en-US" altLang="zh-CN" sz="1200" dirty="0"/>
           </a:p>
           <a:p>
             <a:pPr marL="0" indent="0">
@@ -4455,6 +4367,7 @@
               <a:rPr lang="en-US" altLang="zh-CN" sz="1200" dirty="0"/>
               <a:t>    id	answer</a:t>
             </a:r>
+            <a:endParaRPr lang="en-US" altLang="zh-CN" sz="1200" dirty="0"/>
           </a:p>
           <a:p>
             <a:pPr marL="0" indent="0">
@@ -4510,6 +4423,7 @@
               <a:rPr lang="en-US" altLang="zh-CN" sz="1200" dirty="0"/>
               <a:t>      empty</a:t>
             </a:r>
+            <a:endParaRPr lang="en-US" altLang="zh-CN" sz="1200" dirty="0"/>
           </a:p>
           <a:p>
             <a:pPr marL="0" indent="0">
@@ -4545,6 +4459,7 @@
               <a:rPr lang="en-US" altLang="zh-CN" sz="1200" dirty="0"/>
               <a:t>      empty</a:t>
             </a:r>
+            <a:endParaRPr lang="en-US" altLang="zh-CN" sz="1200" dirty="0"/>
           </a:p>
           <a:p>
             <a:pPr marL="0" indent="0">
@@ -4580,6 +4495,7 @@
               <a:rPr lang="en-US" altLang="zh-CN" sz="1200" dirty="0"/>
               <a:t>      empty	</a:t>
             </a:r>
+            <a:endParaRPr lang="en-US" altLang="zh-CN" sz="1200" dirty="0"/>
           </a:p>
           <a:p>
             <a:pPr marL="0" indent="0">
@@ -4635,6 +4551,7 @@
               <a:rPr lang="en-US" altLang="zh-CN" sz="1200" dirty="0"/>
               <a:t>        statement</a:t>
             </a:r>
+            <a:endParaRPr lang="en-US" altLang="zh-CN" sz="1200" dirty="0"/>
           </a:p>
           <a:p>
             <a:pPr marL="0" indent="0">
@@ -4670,6 +4587,7 @@
               <a:rPr lang="en-US" altLang="zh-CN" sz="1200" dirty="0"/>
               <a:t>            variable</a:t>
             </a:r>
+            <a:endParaRPr lang="en-US" altLang="zh-CN" sz="1200" dirty="0"/>
           </a:p>
           <a:p>
             <a:pPr marL="0" indent="0">
@@ -4685,6 +4603,7 @@
               <a:rPr lang="en-US" altLang="zh-CN" sz="1200" dirty="0"/>
               <a:t>              id	x</a:t>
             </a:r>
+            <a:endParaRPr lang="en-US" altLang="zh-CN" sz="1200" dirty="0"/>
           </a:p>
           <a:p>
             <a:pPr marL="0" indent="0">
@@ -4720,6 +4639,7 @@
               <a:rPr lang="en-US" altLang="zh-CN" sz="1200" dirty="0"/>
               <a:t>                empty</a:t>
             </a:r>
+            <a:endParaRPr lang="en-US" altLang="zh-CN" sz="1200" dirty="0"/>
           </a:p>
           <a:p>
             <a:pPr marL="0" indent="0">
@@ -4735,6 +4655,7 @@
               <a:rPr lang="en-US" altLang="zh-CN" sz="1200" dirty="0"/>
               <a:t>            :=</a:t>
             </a:r>
+            <a:endParaRPr lang="en-US" altLang="zh-CN" sz="1200" dirty="0"/>
           </a:p>
           <a:p>
             <a:pPr marL="0" indent="0">
@@ -4750,6 +4671,7 @@
               <a:rPr lang="en-US" altLang="zh-CN" sz="1200" dirty="0"/>
               <a:t>            expression</a:t>
             </a:r>
+            <a:endParaRPr lang="en-US" altLang="zh-CN" sz="1200" dirty="0"/>
           </a:p>
           <a:p>
             <a:pPr marL="0" indent="0">
@@ -4785,6 +4707,7 @@
               <a:rPr lang="en-US" altLang="zh-CN" sz="1200" dirty="0"/>
               <a:t>                term</a:t>
             </a:r>
+            <a:endParaRPr lang="en-US" altLang="zh-CN" sz="1200" dirty="0"/>
           </a:p>
           <a:p>
             <a:pPr marL="0" indent="0">
@@ -4800,6 +4723,7 @@
               <a:rPr lang="en-US" altLang="zh-CN" sz="1200" dirty="0"/>
               <a:t>                  factor</a:t>
             </a:r>
+            <a:endParaRPr lang="en-US" altLang="zh-CN" sz="1200" dirty="0"/>
           </a:p>
           <a:p>
             <a:pPr marL="0" indent="0">
@@ -4815,6 +4739,7 @@
               <a:rPr lang="en-US" altLang="zh-CN" sz="1200" dirty="0"/>
               <a:t>                    num	42</a:t>
             </a:r>
+            <a:endParaRPr lang="en-US" altLang="zh-CN" sz="1200" dirty="0"/>
           </a:p>
           <a:p>
             <a:pPr marL="0" indent="0">
@@ -4830,6 +4755,7 @@
               <a:rPr lang="en-US" altLang="zh-CN" sz="1200" dirty="0"/>
               <a:t>        statement</a:t>
             </a:r>
+            <a:endParaRPr lang="en-US" altLang="zh-CN" sz="1200" dirty="0"/>
           </a:p>
           <a:p>
             <a:pPr marL="0" indent="0">
@@ -4905,6 +4831,7 @@
               <a:rPr lang="en-US" altLang="zh-CN" sz="1200" dirty="0"/>
               <a:t>              expression</a:t>
             </a:r>
+            <a:endParaRPr lang="en-US" altLang="zh-CN" sz="1200" dirty="0"/>
           </a:p>
           <a:p>
             <a:pPr marL="0" indent="0">
@@ -4940,6 +4867,7 @@
               <a:rPr lang="en-US" altLang="zh-CN" sz="1200" dirty="0"/>
               <a:t>                  term</a:t>
             </a:r>
+            <a:endParaRPr lang="en-US" altLang="zh-CN" sz="1200" dirty="0"/>
           </a:p>
           <a:p>
             <a:pPr marL="0" indent="0">
@@ -4955,6 +4883,7 @@
               <a:rPr lang="en-US" altLang="zh-CN" sz="1200" dirty="0"/>
               <a:t>                    factor</a:t>
             </a:r>
+            <a:endParaRPr lang="en-US" altLang="zh-CN" sz="1200" dirty="0"/>
           </a:p>
           <a:p>
             <a:pPr marL="0" indent="0">
@@ -4970,6 +4899,7 @@
               <a:rPr lang="en-US" altLang="zh-CN" sz="1200" dirty="0"/>
               <a:t>                      variable</a:t>
             </a:r>
+            <a:endParaRPr lang="en-US" altLang="zh-CN" sz="1200" dirty="0"/>
           </a:p>
           <a:p>
             <a:pPr marL="0" indent="0">
@@ -4985,6 +4915,7 @@
               <a:rPr lang="en-US" altLang="zh-CN" sz="1200" dirty="0"/>
               <a:t>                        id	x</a:t>
             </a:r>
+            <a:endParaRPr lang="en-US" altLang="zh-CN" sz="1200" dirty="0"/>
           </a:p>
           <a:p>
             <a:pPr marL="0" indent="0">
@@ -5020,6 +4951,7 @@
               <a:rPr lang="en-US" altLang="zh-CN" sz="1200" dirty="0"/>
               <a:t>                          empty</a:t>
             </a:r>
+            <a:endParaRPr lang="en-US" altLang="zh-CN" sz="1200" dirty="0"/>
           </a:p>
           <a:p>
             <a:pPr marL="0" indent="0">
@@ -5036,11 +4968,6 @@
         </p:txBody>
       </p:sp>
     </p:spTree>
-    <p:extLst>
-      <p:ext uri="{BB962C8B-B14F-4D97-AF65-F5344CB8AC3E}">
-        <p14:creationId xmlns:p14="http://schemas.microsoft.com/office/powerpoint/2010/main" val="1492296194"/>
-      </p:ext>
-    </p:extLst>
   </p:cSld>
   <p:clrMapOvr>
     <a:masterClrMapping/>
@@ -5067,13 +4994,7 @@
       </p:grpSpPr>
       <p:sp>
         <p:nvSpPr>
-          <p:cNvPr id="2" name="标题 1">
-            <a:extLst>
-              <a:ext uri="{FF2B5EF4-FFF2-40B4-BE49-F238E27FC236}">
-                <a16:creationId xmlns:a16="http://schemas.microsoft.com/office/drawing/2014/main" id="{C3A3327B-C920-4BBB-BC78-6919B940B91F}"/>
-              </a:ext>
-            </a:extLst>
-          </p:cNvPr>
+          <p:cNvPr id="2" name="标题 1"/>
           <p:cNvSpPr>
             <a:spLocks noGrp="1"/>
           </p:cNvSpPr>
@@ -5096,13 +5017,7 @@
       </p:sp>
       <p:sp>
         <p:nvSpPr>
-          <p:cNvPr id="3" name="内容占位符 2">
-            <a:extLst>
-              <a:ext uri="{FF2B5EF4-FFF2-40B4-BE49-F238E27FC236}">
-                <a16:creationId xmlns:a16="http://schemas.microsoft.com/office/drawing/2014/main" id="{BA39D62D-7910-45BF-B411-868311682910}"/>
-              </a:ext>
-            </a:extLst>
-          </p:cNvPr>
+          <p:cNvPr id="3" name="内容占位符 2"/>
           <p:cNvSpPr>
             <a:spLocks noGrp="1"/>
           </p:cNvSpPr>
@@ -5135,6 +5050,7 @@
               <a:rPr lang="en-US" altLang="zh-CN" sz="1100" dirty="0"/>
               <a:t>programstruct</a:t>
             </a:r>
+            <a:endParaRPr lang="en-US" altLang="zh-CN" sz="1100" dirty="0"/>
           </a:p>
           <a:p>
             <a:pPr marL="0" indent="0">
@@ -5170,6 +5086,7 @@
               <a:rPr lang="en-US" altLang="zh-CN" sz="1100" dirty="0"/>
               <a:t>    id	answer</a:t>
             </a:r>
+            <a:endParaRPr lang="en-US" altLang="zh-CN" sz="1100" dirty="0"/>
           </a:p>
           <a:p>
             <a:pPr marL="0" indent="0">
@@ -5225,6 +5142,7 @@
               <a:rPr lang="en-US" altLang="zh-CN" sz="1100" dirty="0"/>
               <a:t>      empty</a:t>
             </a:r>
+            <a:endParaRPr lang="en-US" altLang="zh-CN" sz="1100" dirty="0"/>
           </a:p>
           <a:p>
             <a:pPr marL="0" indent="0">
@@ -5260,6 +5178,7 @@
               <a:rPr lang="en-US" altLang="zh-CN" sz="1100" dirty="0"/>
               <a:t>      empty</a:t>
             </a:r>
+            <a:endParaRPr lang="en-US" altLang="zh-CN" sz="1100" dirty="0"/>
           </a:p>
           <a:p>
             <a:pPr marL="0" indent="0">
@@ -5295,6 +5214,7 @@
               <a:rPr lang="en-US" altLang="zh-CN" sz="1100" dirty="0"/>
               <a:t>      empty	</a:t>
             </a:r>
+            <a:endParaRPr lang="en-US" altLang="zh-CN" sz="1100" dirty="0"/>
           </a:p>
           <a:p>
             <a:pPr marL="0" indent="0">
@@ -5350,6 +5270,7 @@
               <a:rPr lang="en-US" altLang="zh-CN" sz="1100" dirty="0"/>
               <a:t>        statement</a:t>
             </a:r>
+            <a:endParaRPr lang="en-US" altLang="zh-CN" sz="1100" dirty="0"/>
           </a:p>
           <a:p>
             <a:pPr marL="0" indent="0">
@@ -5385,6 +5306,7 @@
               <a:rPr lang="en-US" altLang="zh-CN" sz="1100" dirty="0"/>
               <a:t>            variable</a:t>
             </a:r>
+            <a:endParaRPr lang="en-US" altLang="zh-CN" sz="1100" dirty="0"/>
           </a:p>
           <a:p>
             <a:pPr marL="0" indent="0">
@@ -5400,6 +5322,7 @@
               <a:rPr lang="en-US" altLang="zh-CN" sz="1100" dirty="0"/>
               <a:t>              id	x</a:t>
             </a:r>
+            <a:endParaRPr lang="en-US" altLang="zh-CN" sz="1100" dirty="0"/>
           </a:p>
           <a:p>
             <a:pPr marL="0" indent="0">
@@ -5435,6 +5358,7 @@
               <a:rPr lang="en-US" altLang="zh-CN" sz="1100" dirty="0"/>
               <a:t>                empty</a:t>
             </a:r>
+            <a:endParaRPr lang="en-US" altLang="zh-CN" sz="1100" dirty="0"/>
           </a:p>
           <a:p>
             <a:pPr marL="0" indent="0">
@@ -5450,6 +5374,7 @@
               <a:rPr lang="en-US" altLang="zh-CN" sz="1100" dirty="0"/>
               <a:t>            :=</a:t>
             </a:r>
+            <a:endParaRPr lang="en-US" altLang="zh-CN" sz="1100" dirty="0"/>
           </a:p>
           <a:p>
             <a:pPr marL="0" indent="0">
@@ -5465,6 +5390,7 @@
               <a:rPr lang="en-US" altLang="zh-CN" sz="1100" dirty="0"/>
               <a:t>            expression</a:t>
             </a:r>
+            <a:endParaRPr lang="en-US" altLang="zh-CN" sz="1100" dirty="0"/>
           </a:p>
           <a:p>
             <a:pPr marL="0" indent="0">
@@ -5500,6 +5426,7 @@
               <a:rPr lang="en-US" altLang="zh-CN" sz="1100" dirty="0"/>
               <a:t>                term</a:t>
             </a:r>
+            <a:endParaRPr lang="en-US" altLang="zh-CN" sz="1100" dirty="0"/>
           </a:p>
           <a:p>
             <a:pPr marL="0" indent="0">
@@ -5515,6 +5442,7 @@
               <a:rPr lang="en-US" altLang="zh-CN" sz="1100" dirty="0"/>
               <a:t>                  factor</a:t>
             </a:r>
+            <a:endParaRPr lang="en-US" altLang="zh-CN" sz="1100" dirty="0"/>
           </a:p>
           <a:p>
             <a:pPr marL="0" indent="0">
@@ -5530,6 +5458,7 @@
               <a:rPr lang="en-US" altLang="zh-CN" sz="1100" dirty="0"/>
               <a:t>                    num	42</a:t>
             </a:r>
+            <a:endParaRPr lang="en-US" altLang="zh-CN" sz="1100" dirty="0"/>
           </a:p>
           <a:p>
             <a:pPr marL="0" indent="0">
@@ -5545,6 +5474,7 @@
               <a:rPr lang="en-US" altLang="zh-CN" sz="1100" dirty="0"/>
               <a:t>        statement</a:t>
             </a:r>
+            <a:endParaRPr lang="en-US" altLang="zh-CN" sz="1100" dirty="0"/>
           </a:p>
           <a:p>
             <a:pPr marL="0" indent="0">
@@ -5620,6 +5550,7 @@
               <a:rPr lang="en-US" altLang="zh-CN" sz="1100" dirty="0"/>
               <a:t>              expression</a:t>
             </a:r>
+            <a:endParaRPr lang="en-US" altLang="zh-CN" sz="1100" dirty="0"/>
           </a:p>
           <a:p>
             <a:pPr marL="0" indent="0">
@@ -5655,6 +5586,7 @@
               <a:rPr lang="en-US" altLang="zh-CN" sz="1100" dirty="0"/>
               <a:t>                  term</a:t>
             </a:r>
+            <a:endParaRPr lang="en-US" altLang="zh-CN" sz="1100" dirty="0"/>
           </a:p>
           <a:p>
             <a:pPr marL="0" indent="0">
@@ -5670,6 +5602,7 @@
               <a:rPr lang="en-US" altLang="zh-CN" sz="1100" dirty="0"/>
               <a:t>                    factor</a:t>
             </a:r>
+            <a:endParaRPr lang="en-US" altLang="zh-CN" sz="1100" dirty="0"/>
           </a:p>
           <a:p>
             <a:pPr marL="0" indent="0">
@@ -5685,6 +5618,7 @@
               <a:rPr lang="en-US" altLang="zh-CN" sz="1100" dirty="0"/>
               <a:t>                      variable</a:t>
             </a:r>
+            <a:endParaRPr lang="en-US" altLang="zh-CN" sz="1100" dirty="0"/>
           </a:p>
           <a:p>
             <a:pPr marL="0" indent="0">
@@ -5700,6 +5634,7 @@
               <a:rPr lang="en-US" altLang="zh-CN" sz="1100" dirty="0"/>
               <a:t>                        id	x</a:t>
             </a:r>
+            <a:endParaRPr lang="en-US" altLang="zh-CN" sz="1100" dirty="0"/>
           </a:p>
           <a:p>
             <a:pPr marL="0" indent="0">
@@ -5735,6 +5670,7 @@
               <a:rPr lang="en-US" altLang="zh-CN" sz="1100" dirty="0"/>
               <a:t>                          empty</a:t>
             </a:r>
+            <a:endParaRPr lang="en-US" altLang="zh-CN" sz="1100" dirty="0"/>
           </a:p>
           <a:p>
             <a:pPr marL="0" indent="0">
@@ -5752,13 +5688,7 @@
       </p:sp>
       <p:sp>
         <p:nvSpPr>
-          <p:cNvPr id="5" name="Rectangle 2">
-            <a:extLst>
-              <a:ext uri="{FF2B5EF4-FFF2-40B4-BE49-F238E27FC236}">
-                <a16:creationId xmlns:a16="http://schemas.microsoft.com/office/drawing/2014/main" id="{C9705B0E-E0C4-41E6-A4E5-49B918C4EE47}"/>
-              </a:ext>
-            </a:extLst>
-          </p:cNvPr>
+          <p:cNvPr id="5" name="Rectangle 2"/>
           <p:cNvSpPr>
             <a:spLocks noChangeArrowheads="1"/>
           </p:cNvSpPr>
@@ -5803,9 +5733,6 @@
         </p:spPr>
         <p:txBody>
           <a:bodyPr vert="horz" wrap="none" lIns="0" tIns="0" rIns="0" bIns="0" numCol="1" anchor="ctr" anchorCtr="0" compatLnSpc="1">
-            <a:prstTxWarp prst="textNoShape">
-              <a:avLst/>
-            </a:prstTxWarp>
             <a:spAutoFit/>
           </a:bodyPr>
           <a:lstStyle/>
@@ -5824,7 +5751,6 @@
               <a:buSzTx/>
               <a:buFontTx/>
               <a:buNone/>
-              <a:tabLst/>
             </a:pPr>
             <a:endParaRPr kumimoji="0" lang="zh-CN" altLang="zh-CN" sz="1800" b="0" i="0" u="none" strike="noStrike" cap="none" normalizeH="0" baseline="0" dirty="0">
               <a:ln>
@@ -5841,16 +5767,8 @@
       </p:sp>
       <p:sp>
         <p:nvSpPr>
-          <p:cNvPr id="6" name="内容占位符 2">
-            <a:extLst>
-              <a:ext uri="{FF2B5EF4-FFF2-40B4-BE49-F238E27FC236}">
-                <a16:creationId xmlns:a16="http://schemas.microsoft.com/office/drawing/2014/main" id="{707D58BA-C497-427D-A4E9-C7D766E55FF2}"/>
-              </a:ext>
-            </a:extLst>
-          </p:cNvPr>
-          <p:cNvSpPr txBox="1">
-            <a:spLocks/>
-          </p:cNvSpPr>
+          <p:cNvPr id="6" name="内容占位符 2"/>
+          <p:cNvSpPr txBox="1"/>
           <p:nvPr/>
         </p:nvSpPr>
         <p:spPr>
@@ -6038,6 +5956,7 @@
               <a:rPr lang="en-US" altLang="zh-CN" sz="1800" dirty="0"/>
               <a:t>['int main()',</a:t>
             </a:r>
+            <a:endParaRPr lang="en-US" altLang="zh-CN" sz="1800" dirty="0"/>
           </a:p>
           <a:p>
             <a:pPr marL="0" indent="0">
@@ -6047,6 +5966,7 @@
               <a:rPr lang="en-US" altLang="zh-CN" sz="1800" dirty="0"/>
               <a:t> '{',</a:t>
             </a:r>
+            <a:endParaRPr lang="en-US" altLang="zh-CN" sz="1800" dirty="0"/>
           </a:p>
           <a:p>
             <a:pPr marL="0" indent="0">
@@ -6056,6 +5976,7 @@
               <a:rPr lang="en-US" altLang="zh-CN" sz="1800" dirty="0"/>
               <a:t> 'x',</a:t>
             </a:r>
+            <a:endParaRPr lang="en-US" altLang="zh-CN" sz="1800" dirty="0"/>
           </a:p>
           <a:p>
             <a:pPr marL="0" indent="0">
@@ -6065,6 +5986,7 @@
               <a:rPr lang="en-US" altLang="zh-CN" sz="1800" dirty="0"/>
               <a:t> '=',</a:t>
             </a:r>
+            <a:endParaRPr lang="en-US" altLang="zh-CN" sz="1800" dirty="0"/>
           </a:p>
           <a:p>
             <a:pPr marL="0" indent="0">
@@ -6074,6 +5996,7 @@
               <a:rPr lang="en-US" altLang="zh-CN" sz="1800" dirty="0"/>
               <a:t> '42',</a:t>
             </a:r>
+            <a:endParaRPr lang="en-US" altLang="zh-CN" sz="1800" dirty="0"/>
           </a:p>
           <a:p>
             <a:pPr marL="0" indent="0">
@@ -6083,6 +6006,7 @@
               <a:rPr lang="en-US" altLang="zh-CN" sz="1800" dirty="0"/>
               <a:t> ';',</a:t>
             </a:r>
+            <a:endParaRPr lang="en-US" altLang="zh-CN" sz="1800" dirty="0"/>
           </a:p>
           <a:p>
             <a:pPr marL="0" indent="0">
@@ -6092,6 +6016,7 @@
               <a:rPr lang="en-US" altLang="zh-CN" sz="1800" dirty="0"/>
               <a:t> ';',</a:t>
             </a:r>
+            <a:endParaRPr lang="en-US" altLang="zh-CN" sz="1800" dirty="0"/>
           </a:p>
           <a:p>
             <a:pPr marL="0" indent="0">
@@ -6109,6 +6034,7 @@
               <a:rPr lang="en-US" altLang="zh-CN" sz="1800" dirty="0"/>
               <a:t>',</a:t>
             </a:r>
+            <a:endParaRPr lang="en-US" altLang="zh-CN" sz="1800" dirty="0"/>
           </a:p>
           <a:p>
             <a:pPr marL="0" indent="0">
@@ -6118,6 +6044,7 @@
               <a:rPr lang="en-US" altLang="zh-CN" sz="1800" dirty="0"/>
               <a:t> '(',</a:t>
             </a:r>
+            <a:endParaRPr lang="en-US" altLang="zh-CN" sz="1800" dirty="0"/>
           </a:p>
           <a:p>
             <a:pPr marL="0" indent="0">
@@ -6127,6 +6054,7 @@
               <a:rPr lang="en-US" altLang="zh-CN" sz="1800" dirty="0"/>
               <a:t> 'x',</a:t>
             </a:r>
+            <a:endParaRPr lang="en-US" altLang="zh-CN" sz="1800" dirty="0"/>
           </a:p>
           <a:p>
             <a:pPr marL="0" indent="0">
@@ -6136,6 +6064,7 @@
               <a:rPr lang="en-US" altLang="zh-CN" sz="1800" dirty="0"/>
               <a:t> ')',</a:t>
             </a:r>
+            <a:endParaRPr lang="en-US" altLang="zh-CN" sz="1800" dirty="0"/>
           </a:p>
           <a:p>
             <a:pPr marL="0" indent="0">
@@ -6145,6 +6074,7 @@
               <a:rPr lang="en-US" altLang="zh-CN" sz="1800" dirty="0"/>
               <a:t> ';',</a:t>
             </a:r>
+            <a:endParaRPr lang="en-US" altLang="zh-CN" sz="1800" dirty="0"/>
           </a:p>
           <a:p>
             <a:pPr marL="0" indent="0">
@@ -6154,6 +6084,7 @@
               <a:rPr lang="en-US" altLang="zh-CN" sz="1800" dirty="0"/>
               <a:t> ';',</a:t>
             </a:r>
+            <a:endParaRPr lang="en-US" altLang="zh-CN" sz="1800" dirty="0"/>
           </a:p>
           <a:p>
             <a:pPr marL="0" indent="0">
@@ -6168,11 +6099,6 @@
         </p:txBody>
       </p:sp>
     </p:spTree>
-    <p:extLst>
-      <p:ext uri="{BB962C8B-B14F-4D97-AF65-F5344CB8AC3E}">
-        <p14:creationId xmlns:p14="http://schemas.microsoft.com/office/powerpoint/2010/main" val="3299625679"/>
-      </p:ext>
-    </p:extLst>
   </p:cSld>
   <p:clrMapOvr>
     <a:masterClrMapping/>
@@ -6199,13 +6125,7 @@
       </p:grpSpPr>
       <p:sp>
         <p:nvSpPr>
-          <p:cNvPr id="2" name="标题 1">
-            <a:extLst>
-              <a:ext uri="{FF2B5EF4-FFF2-40B4-BE49-F238E27FC236}">
-                <a16:creationId xmlns:a16="http://schemas.microsoft.com/office/drawing/2014/main" id="{C3A3327B-C920-4BBB-BC78-6919B940B91F}"/>
-              </a:ext>
-            </a:extLst>
-          </p:cNvPr>
+          <p:cNvPr id="2" name="标题 1"/>
           <p:cNvSpPr>
             <a:spLocks noGrp="1"/>
           </p:cNvSpPr>
@@ -6222,18 +6142,13 @@
               <a:rPr lang="zh-CN" altLang="en-US" dirty="0"/>
               <a:t>代码生成与格式化</a:t>
             </a:r>
-          </a:p>
-        </p:txBody>
-      </p:sp>
-      <p:sp>
-        <p:nvSpPr>
-          <p:cNvPr id="3" name="内容占位符 2">
-            <a:extLst>
-              <a:ext uri="{FF2B5EF4-FFF2-40B4-BE49-F238E27FC236}">
-                <a16:creationId xmlns:a16="http://schemas.microsoft.com/office/drawing/2014/main" id="{BA39D62D-7910-45BF-B411-868311682910}"/>
-              </a:ext>
-            </a:extLst>
-          </p:cNvPr>
+            <a:endParaRPr lang="zh-CN" altLang="en-US" dirty="0"/>
+          </a:p>
+        </p:txBody>
+      </p:sp>
+      <p:sp>
+        <p:nvSpPr>
+          <p:cNvPr id="3" name="内容占位符 2"/>
           <p:cNvSpPr>
             <a:spLocks noGrp="1"/>
           </p:cNvSpPr>
@@ -6260,6 +6175,7 @@
               <a:rPr lang="en-US" altLang="zh-CN" sz="1800" dirty="0"/>
               <a:t>['int main()',</a:t>
             </a:r>
+            <a:endParaRPr lang="en-US" altLang="zh-CN" sz="1800" dirty="0"/>
           </a:p>
           <a:p>
             <a:pPr marL="0" indent="0">
@@ -6269,6 +6185,7 @@
               <a:rPr lang="en-US" altLang="zh-CN" sz="1800" dirty="0"/>
               <a:t> '{',</a:t>
             </a:r>
+            <a:endParaRPr lang="en-US" altLang="zh-CN" sz="1800" dirty="0"/>
           </a:p>
           <a:p>
             <a:pPr marL="0" indent="0">
@@ -6278,6 +6195,7 @@
               <a:rPr lang="en-US" altLang="zh-CN" sz="1800" dirty="0"/>
               <a:t> 'x',</a:t>
             </a:r>
+            <a:endParaRPr lang="en-US" altLang="zh-CN" sz="1800" dirty="0"/>
           </a:p>
           <a:p>
             <a:pPr marL="0" indent="0">
@@ -6287,6 +6205,7 @@
               <a:rPr lang="en-US" altLang="zh-CN" sz="1800" dirty="0"/>
               <a:t> '=',</a:t>
             </a:r>
+            <a:endParaRPr lang="en-US" altLang="zh-CN" sz="1800" dirty="0"/>
           </a:p>
           <a:p>
             <a:pPr marL="0" indent="0">
@@ -6296,6 +6215,7 @@
               <a:rPr lang="en-US" altLang="zh-CN" sz="1800" dirty="0"/>
               <a:t> '42',</a:t>
             </a:r>
+            <a:endParaRPr lang="en-US" altLang="zh-CN" sz="1800" dirty="0"/>
           </a:p>
           <a:p>
             <a:pPr marL="0" indent="0">
@@ -6305,6 +6225,7 @@
               <a:rPr lang="en-US" altLang="zh-CN" sz="1800" dirty="0"/>
               <a:t> ';',</a:t>
             </a:r>
+            <a:endParaRPr lang="en-US" altLang="zh-CN" sz="1800" dirty="0"/>
           </a:p>
           <a:p>
             <a:pPr marL="0" indent="0">
@@ -6314,6 +6235,7 @@
               <a:rPr lang="en-US" altLang="zh-CN" sz="1800" dirty="0"/>
               <a:t> ';',</a:t>
             </a:r>
+            <a:endParaRPr lang="en-US" altLang="zh-CN" sz="1800" dirty="0"/>
           </a:p>
           <a:p>
             <a:pPr marL="0" indent="0">
@@ -6331,6 +6253,7 @@
               <a:rPr lang="en-US" altLang="zh-CN" sz="1800" dirty="0"/>
               <a:t>',</a:t>
             </a:r>
+            <a:endParaRPr lang="en-US" altLang="zh-CN" sz="1800" dirty="0"/>
           </a:p>
           <a:p>
             <a:pPr marL="0" indent="0">
@@ -6340,6 +6263,7 @@
               <a:rPr lang="en-US" altLang="zh-CN" sz="1800" dirty="0"/>
               <a:t> '(',</a:t>
             </a:r>
+            <a:endParaRPr lang="en-US" altLang="zh-CN" sz="1800" dirty="0"/>
           </a:p>
           <a:p>
             <a:pPr marL="0" indent="0">
@@ -6349,6 +6273,7 @@
               <a:rPr lang="en-US" altLang="zh-CN" sz="1800" dirty="0"/>
               <a:t> 'x',</a:t>
             </a:r>
+            <a:endParaRPr lang="en-US" altLang="zh-CN" sz="1800" dirty="0"/>
           </a:p>
           <a:p>
             <a:pPr marL="0" indent="0">
@@ -6358,6 +6283,7 @@
               <a:rPr lang="en-US" altLang="zh-CN" sz="1800" dirty="0"/>
               <a:t> ')',</a:t>
             </a:r>
+            <a:endParaRPr lang="en-US" altLang="zh-CN" sz="1800" dirty="0"/>
           </a:p>
           <a:p>
             <a:pPr marL="0" indent="0">
@@ -6367,6 +6293,7 @@
               <a:rPr lang="en-US" altLang="zh-CN" sz="1800" dirty="0"/>
               <a:t> ';',</a:t>
             </a:r>
+            <a:endParaRPr lang="en-US" altLang="zh-CN" sz="1800" dirty="0"/>
           </a:p>
           <a:p>
             <a:pPr marL="0" indent="0">
@@ -6376,6 +6303,7 @@
               <a:rPr lang="en-US" altLang="zh-CN" sz="1800" dirty="0"/>
               <a:t> ';',</a:t>
             </a:r>
+            <a:endParaRPr lang="en-US" altLang="zh-CN" sz="1800" dirty="0"/>
           </a:p>
           <a:p>
             <a:pPr marL="0" indent="0">
@@ -6391,13 +6319,7 @@
       </p:sp>
       <p:sp>
         <p:nvSpPr>
-          <p:cNvPr id="5" name="Rectangle 2">
-            <a:extLst>
-              <a:ext uri="{FF2B5EF4-FFF2-40B4-BE49-F238E27FC236}">
-                <a16:creationId xmlns:a16="http://schemas.microsoft.com/office/drawing/2014/main" id="{C9705B0E-E0C4-41E6-A4E5-49B918C4EE47}"/>
-              </a:ext>
-            </a:extLst>
-          </p:cNvPr>
+          <p:cNvPr id="5" name="Rectangle 2"/>
           <p:cNvSpPr>
             <a:spLocks noChangeArrowheads="1"/>
           </p:cNvSpPr>
@@ -6442,9 +6364,6 @@
         </p:spPr>
         <p:txBody>
           <a:bodyPr vert="horz" wrap="none" lIns="0" tIns="0" rIns="0" bIns="0" numCol="1" anchor="ctr" anchorCtr="0" compatLnSpc="1">
-            <a:prstTxWarp prst="textNoShape">
-              <a:avLst/>
-            </a:prstTxWarp>
             <a:spAutoFit/>
           </a:bodyPr>
           <a:lstStyle/>
@@ -6463,7 +6382,6 @@
               <a:buSzTx/>
               <a:buFontTx/>
               <a:buNone/>
-              <a:tabLst/>
             </a:pPr>
             <a:endParaRPr kumimoji="0" lang="zh-CN" altLang="zh-CN" sz="1800" b="0" i="0" u="none" strike="noStrike" cap="none" normalizeH="0" baseline="0" dirty="0">
               <a:ln>
@@ -6480,16 +6398,8 @@
       </p:sp>
       <p:sp>
         <p:nvSpPr>
-          <p:cNvPr id="6" name="内容占位符 2">
-            <a:extLst>
-              <a:ext uri="{FF2B5EF4-FFF2-40B4-BE49-F238E27FC236}">
-                <a16:creationId xmlns:a16="http://schemas.microsoft.com/office/drawing/2014/main" id="{707D58BA-C497-427D-A4E9-C7D766E55FF2}"/>
-              </a:ext>
-            </a:extLst>
-          </p:cNvPr>
-          <p:cNvSpPr txBox="1">
-            <a:spLocks/>
-          </p:cNvSpPr>
+          <p:cNvPr id="6" name="内容占位符 2"/>
+          <p:cNvSpPr txBox="1"/>
           <p:nvPr/>
         </p:nvSpPr>
         <p:spPr>
@@ -6677,6 +6587,7 @@
               <a:rPr lang="en-US" altLang="zh-CN" sz="1800" dirty="0"/>
               <a:t>#include mp2c.h</a:t>
             </a:r>
+            <a:endParaRPr lang="en-US" altLang="zh-CN" sz="1800" dirty="0"/>
           </a:p>
           <a:p>
             <a:pPr marL="0" indent="0">
@@ -6686,6 +6597,7 @@
               <a:rPr lang="en-US" altLang="zh-CN" sz="1800" dirty="0"/>
               <a:t>int main() {</a:t>
             </a:r>
+            <a:endParaRPr lang="en-US" altLang="zh-CN" sz="1800" dirty="0"/>
           </a:p>
           <a:p>
             <a:pPr marL="0" indent="0">
@@ -6695,6 +6607,7 @@
               <a:rPr lang="en-US" altLang="zh-CN" sz="1800" dirty="0"/>
               <a:t>  x = 42;</a:t>
             </a:r>
+            <a:endParaRPr lang="en-US" altLang="zh-CN" sz="1800" dirty="0"/>
           </a:p>
           <a:p>
             <a:pPr marL="0" indent="0">
@@ -6704,6 +6617,7 @@
               <a:rPr lang="en-US" altLang="zh-CN" sz="1800" dirty="0"/>
               <a:t>  ;</a:t>
             </a:r>
+            <a:endParaRPr lang="en-US" altLang="zh-CN" sz="1800" dirty="0"/>
           </a:p>
           <a:p>
             <a:pPr marL="0" indent="0">
@@ -6721,6 +6635,7 @@
               <a:rPr lang="en-US" altLang="zh-CN" sz="1800" dirty="0"/>
               <a:t>(x);</a:t>
             </a:r>
+            <a:endParaRPr lang="en-US" altLang="zh-CN" sz="1800" dirty="0"/>
           </a:p>
           <a:p>
             <a:pPr marL="0" indent="0">
@@ -6730,6 +6645,7 @@
               <a:rPr lang="en-US" altLang="zh-CN" sz="1800" dirty="0"/>
               <a:t>  ;</a:t>
             </a:r>
+            <a:endParaRPr lang="en-US" altLang="zh-CN" sz="1800" dirty="0"/>
           </a:p>
           <a:p>
             <a:pPr marL="0" indent="0">
@@ -6744,11 +6660,6 @@
         </p:txBody>
       </p:sp>
     </p:spTree>
-    <p:extLst>
-      <p:ext uri="{BB962C8B-B14F-4D97-AF65-F5344CB8AC3E}">
-        <p14:creationId xmlns:p14="http://schemas.microsoft.com/office/powerpoint/2010/main" val="3502893819"/>
-      </p:ext>
-    </p:extLst>
   </p:cSld>
   <p:clrMapOvr>
     <a:masterClrMapping/>
@@ -6775,13 +6686,7 @@
       </p:grpSpPr>
       <p:sp>
         <p:nvSpPr>
-          <p:cNvPr id="2" name="标题 1">
-            <a:extLst>
-              <a:ext uri="{FF2B5EF4-FFF2-40B4-BE49-F238E27FC236}">
-                <a16:creationId xmlns:a16="http://schemas.microsoft.com/office/drawing/2014/main" id="{0B61727C-C8A2-462C-9857-E927975A6199}"/>
-              </a:ext>
-            </a:extLst>
-          </p:cNvPr>
+          <p:cNvPr id="2" name="标题 1"/>
           <p:cNvSpPr>
             <a:spLocks noGrp="1"/>
           </p:cNvSpPr>
@@ -6804,13 +6709,7 @@
       </p:sp>
       <p:sp>
         <p:nvSpPr>
-          <p:cNvPr id="3" name="内容占位符 2">
-            <a:extLst>
-              <a:ext uri="{FF2B5EF4-FFF2-40B4-BE49-F238E27FC236}">
-                <a16:creationId xmlns:a16="http://schemas.microsoft.com/office/drawing/2014/main" id="{D4BAC5C9-1100-431A-B50C-99E6BABD86D3}"/>
-              </a:ext>
-            </a:extLst>
-          </p:cNvPr>
+          <p:cNvPr id="3" name="内容占位符 2"/>
           <p:cNvSpPr>
             <a:spLocks noGrp="1"/>
           </p:cNvSpPr>
@@ -6858,6 +6757,7 @@
               <a:rPr lang="en-US" altLang="zh-CN" dirty="0"/>
               <a:t>Read</a:t>
             </a:r>
+            <a:endParaRPr lang="en-US" altLang="zh-CN" dirty="0"/>
           </a:p>
           <a:p>
             <a:pPr lvl="1"/>
@@ -6865,6 +6765,7 @@
               <a:rPr lang="en-US" altLang="zh-CN" dirty="0"/>
               <a:t>Write</a:t>
             </a:r>
+            <a:endParaRPr lang="en-US" altLang="zh-CN" dirty="0"/>
           </a:p>
           <a:p>
             <a:pPr lvl="1"/>
@@ -6888,6 +6789,7 @@
               <a:rPr lang="en-US" altLang="zh-CN" dirty="0"/>
               <a:t>abs</a:t>
             </a:r>
+            <a:endParaRPr lang="en-US" altLang="zh-CN" dirty="0"/>
           </a:p>
           <a:p>
             <a:pPr lvl="1"/>
@@ -6895,6 +6797,7 @@
               <a:rPr lang="en-US" altLang="zh-CN" dirty="0"/>
               <a:t>sqrt</a:t>
             </a:r>
+            <a:endParaRPr lang="en-US" altLang="zh-CN" dirty="0"/>
           </a:p>
           <a:p>
             <a:pPr lvl="1"/>
@@ -6902,15 +6805,11 @@
               <a:rPr lang="en-US" altLang="zh-CN" dirty="0"/>
               <a:t>random</a:t>
             </a:r>
+            <a:endParaRPr lang="en-US" altLang="zh-CN" dirty="0"/>
           </a:p>
         </p:txBody>
       </p:sp>
     </p:spTree>
-    <p:extLst>
-      <p:ext uri="{BB962C8B-B14F-4D97-AF65-F5344CB8AC3E}">
-        <p14:creationId xmlns:p14="http://schemas.microsoft.com/office/powerpoint/2010/main" val="2287556986"/>
-      </p:ext>
-    </p:extLst>
   </p:cSld>
   <p:clrMapOvr>
     <a:masterClrMapping/>
@@ -6927,132 +6826,188 @@
         <p:cNvGrpSpPr/>
         <p:nvPr/>
       </p:nvGrpSpPr>
-      <p:grpSpPr>
-        <a:xfrm>
-          <a:off x="0" y="0"/>
-          <a:ext cx="0" cy="0"/>
-          <a:chOff x="0" y="0"/>
-          <a:chExt cx="0" cy="0"/>
-        </a:xfrm>
-      </p:grpSpPr>
-      <p:sp>
-        <p:nvSpPr>
-          <p:cNvPr id="2" name="标题 1">
-            <a:extLst>
-              <a:ext uri="{FF2B5EF4-FFF2-40B4-BE49-F238E27FC236}">
-                <a16:creationId xmlns:a16="http://schemas.microsoft.com/office/drawing/2014/main" id="{5078EE1B-816D-4995-91F3-F9D680FB6FCB}"/>
-              </a:ext>
-            </a:extLst>
-          </p:cNvPr>
-          <p:cNvSpPr>
-            <a:spLocks noGrp="1"/>
-          </p:cNvSpPr>
-          <p:nvPr>
-            <p:ph type="title"/>
-          </p:nvPr>
-        </p:nvSpPr>
-        <p:spPr/>
-        <p:txBody>
-          <a:bodyPr/>
-          <a:lstStyle/>
-          <a:p>
-            <a:r>
-              <a:rPr lang="en-US" altLang="zh-CN" dirty="0" err="1"/>
-              <a:t>Todo</a:t>
-            </a:r>
-            <a:endParaRPr lang="zh-CN" altLang="en-US" dirty="0"/>
-          </a:p>
-        </p:txBody>
-      </p:sp>
-      <p:sp>
-        <p:nvSpPr>
-          <p:cNvPr id="3" name="内容占位符 2">
-            <a:extLst>
-              <a:ext uri="{FF2B5EF4-FFF2-40B4-BE49-F238E27FC236}">
-                <a16:creationId xmlns:a16="http://schemas.microsoft.com/office/drawing/2014/main" id="{5E77078E-C1A0-47B0-ADEB-606D88A8F497}"/>
-              </a:ext>
-            </a:extLst>
-          </p:cNvPr>
-          <p:cNvSpPr>
-            <a:spLocks noGrp="1"/>
-          </p:cNvSpPr>
+      <p:grpSpPr/>
+      <p:pic>
+        <p:nvPicPr>
+          <p:cNvPr id="4" name="内容占位符 3"/>
+          <p:cNvPicPr>
+            <a:picLocks noChangeAspect="1"/>
+          </p:cNvPicPr>
           <p:nvPr>
             <p:ph idx="1"/>
-          </p:nvPr>
-        </p:nvSpPr>
-        <p:spPr/>
-        <p:txBody>
-          <a:bodyPr/>
-          <a:lstStyle/>
-          <a:p>
-            <a:r>
-              <a:rPr lang="zh-CN" altLang="en-US" dirty="0"/>
-              <a:t>完整的符号表</a:t>
-            </a:r>
-            <a:endParaRPr lang="en-US" altLang="zh-CN" dirty="0"/>
-          </a:p>
-          <a:p>
-            <a:pPr lvl="1"/>
-            <a:r>
-              <a:rPr lang="zh-CN" altLang="en-US" dirty="0"/>
-              <a:t>真正的类型检查</a:t>
-            </a:r>
-            <a:endParaRPr lang="en-US" altLang="zh-CN" dirty="0"/>
-          </a:p>
-          <a:p>
-            <a:pPr lvl="1"/>
-            <a:r>
-              <a:rPr lang="zh-CN" altLang="en-US" dirty="0"/>
-              <a:t>作用域与应用</a:t>
-            </a:r>
-            <a:endParaRPr lang="en-US" altLang="zh-CN" dirty="0"/>
-          </a:p>
-          <a:p>
-            <a:r>
-              <a:rPr lang="zh-CN" altLang="en-US" dirty="0"/>
-              <a:t>函数内变量转换</a:t>
-            </a:r>
-            <a:endParaRPr lang="en-US" altLang="zh-CN" dirty="0"/>
-          </a:p>
-          <a:p>
-            <a:r>
-              <a:rPr lang="zh-CN" altLang="en-US" dirty="0"/>
-              <a:t>错误处理</a:t>
-            </a:r>
-            <a:endParaRPr lang="en-US" altLang="zh-CN" dirty="0"/>
-          </a:p>
-          <a:p>
-            <a:pPr lvl="1"/>
-            <a:r>
-              <a:rPr lang="zh-CN" altLang="en-US" dirty="0"/>
-              <a:t>错误的具体原因</a:t>
-            </a:r>
-            <a:endParaRPr lang="en-US" altLang="zh-CN" dirty="0"/>
-          </a:p>
-          <a:p>
-            <a:pPr lvl="1"/>
-            <a:r>
-              <a:rPr lang="zh-CN" altLang="en-US" dirty="0"/>
-              <a:t>错误定位</a:t>
-            </a:r>
-            <a:endParaRPr lang="en-US" altLang="zh-CN" dirty="0"/>
-          </a:p>
-          <a:p>
-            <a:endParaRPr lang="zh-CN" altLang="en-US" dirty="0"/>
+            <p:custDataLst>
+              <p:tags r:id="rId1"/>
+            </p:custDataLst>
+          </p:nvPr>
+        </p:nvPicPr>
+        <p:blipFill>
+          <a:blip r:embed="rId2"/>
+          <a:stretch>
+            <a:fillRect/>
+          </a:stretch>
+        </p:blipFill>
+        <p:spPr>
+          <a:xfrm>
+            <a:off x="643890" y="1523365"/>
+            <a:ext cx="6142355" cy="4351655"/>
+          </a:xfrm>
+          <a:prstGeom prst="rect">
+            <a:avLst/>
+          </a:prstGeom>
+        </p:spPr>
+      </p:pic>
+      <p:sp>
+        <p:nvSpPr>
+          <p:cNvPr id="5" name="文本框 4"/>
+          <p:cNvSpPr txBox="1"/>
+          <p:nvPr/>
+        </p:nvSpPr>
+        <p:spPr>
+          <a:xfrm>
+            <a:off x="862330" y="744855"/>
+            <a:ext cx="10251440" cy="645160"/>
+          </a:xfrm>
+          <a:prstGeom prst="rect">
+            <a:avLst/>
+          </a:prstGeom>
+          <a:noFill/>
+        </p:spPr>
+        <p:txBody>
+          <a:bodyPr wrap="square" rtlCol="0">
+            <a:spAutoFit/>
+          </a:bodyPr>
+          <a:p>
+            <a:r>
+              <a:rPr lang="zh-CN" altLang="en-US" sz="3600"/>
+              <a:t>符号的定义：函数符号，内建类型符号，数组符号</a:t>
+            </a:r>
+            <a:endParaRPr lang="zh-CN" altLang="en-US" sz="3600"/>
           </a:p>
         </p:txBody>
       </p:sp>
     </p:spTree>
-    <p:extLst>
-      <p:ext uri="{BB962C8B-B14F-4D97-AF65-F5344CB8AC3E}">
-        <p14:creationId xmlns:p14="http://schemas.microsoft.com/office/powerpoint/2010/main" val="3297246621"/>
-      </p:ext>
-    </p:extLst>
   </p:cSld>
   <p:clrMapOvr>
     <a:masterClrMapping/>
   </p:clrMapOvr>
 </p:sld>
+</file>
+
+<file path=ppt/slides/slide9.xml><?xml version="1.0" encoding="utf-8"?>
+<p:sld xmlns:a="http://schemas.openxmlformats.org/drawingml/2006/main" xmlns:r="http://schemas.openxmlformats.org/officeDocument/2006/relationships" xmlns:p="http://schemas.openxmlformats.org/presentationml/2006/main">
+  <p:cSld>
+    <p:spTree>
+      <p:nvGrpSpPr>
+        <p:cNvPr id="1" name=""/>
+        <p:cNvGrpSpPr/>
+        <p:nvPr/>
+      </p:nvGrpSpPr>
+      <p:grpSpPr/>
+      <p:sp>
+        <p:nvSpPr>
+          <p:cNvPr id="2" name="标题 1"/>
+          <p:cNvSpPr>
+            <a:spLocks noGrp="1"/>
+          </p:cNvSpPr>
+          <p:nvPr>
+            <p:ph type="title"/>
+          </p:nvPr>
+        </p:nvSpPr>
+        <p:spPr/>
+        <p:txBody>
+          <a:bodyPr/>
+          <a:p>
+            <a:r>
+              <a:rPr lang="zh-CN" altLang="en-US" sz="2800">
+                <a:latin typeface="+mn-lt"/>
+                <a:ea typeface="+mn-ea"/>
+                <a:cs typeface="+mn-cs"/>
+                <a:sym typeface="+mn-ea"/>
+              </a:rPr>
+              <a:t>符号表相关操作：进出作用域，插入符号，获取</a:t>
+            </a:r>
+            <a:r>
+              <a:rPr lang="zh-CN" altLang="en-US" sz="2800">
+                <a:latin typeface="+mn-lt"/>
+                <a:ea typeface="+mn-ea"/>
+                <a:cs typeface="+mn-cs"/>
+                <a:sym typeface="+mn-ea"/>
+              </a:rPr>
+              <a:t>符号</a:t>
+            </a:r>
+            <a:endParaRPr lang="zh-CN" altLang="en-US" sz="2800">
+              <a:latin typeface="+mn-lt"/>
+              <a:ea typeface="+mn-ea"/>
+              <a:cs typeface="+mn-cs"/>
+              <a:sym typeface="+mn-ea"/>
+            </a:endParaRPr>
+          </a:p>
+        </p:txBody>
+      </p:sp>
+      <p:pic>
+        <p:nvPicPr>
+          <p:cNvPr id="4" name="图片 3"/>
+          <p:cNvPicPr>
+            <a:picLocks noChangeAspect="1"/>
+          </p:cNvPicPr>
+          <p:nvPr>
+            <p:custDataLst>
+              <p:tags r:id="rId1"/>
+            </p:custDataLst>
+          </p:nvPr>
+        </p:nvPicPr>
+        <p:blipFill>
+          <a:blip r:embed="rId2"/>
+          <a:stretch>
+            <a:fillRect/>
+          </a:stretch>
+        </p:blipFill>
+        <p:spPr>
+          <a:xfrm>
+            <a:off x="838200" y="1558925"/>
+            <a:ext cx="8061960" cy="3909060"/>
+          </a:xfrm>
+          <a:prstGeom prst="rect">
+            <a:avLst/>
+          </a:prstGeom>
+        </p:spPr>
+      </p:pic>
+    </p:spTree>
+  </p:cSld>
+  <p:clrMapOvr>
+    <a:masterClrMapping/>
+  </p:clrMapOvr>
+</p:sld>
+</file>
+
+<file path=ppt/tags/tag1.xml><?xml version="1.0" encoding="utf-8"?>
+<p:tagLst xmlns:p="http://schemas.openxmlformats.org/presentationml/2006/main">
+  <p:tag name="KSO_WM_BEAUTIFY_FLAG" val=""/>
+</p:tagLst>
+</file>
+
+<file path=ppt/tags/tag2.xml><?xml version="1.0" encoding="utf-8"?>
+<p:tagLst xmlns:p="http://schemas.openxmlformats.org/presentationml/2006/main">
+  <p:tag name="KSO_WM_BEAUTIFY_FLAG" val=""/>
+</p:tagLst>
+</file>
+
+<file path=ppt/tags/tag3.xml><?xml version="1.0" encoding="utf-8"?>
+<p:tagLst xmlns:p="http://schemas.openxmlformats.org/presentationml/2006/main">
+  <p:tag name="KSO_WM_BEAUTIFY_FLAG" val=""/>
+</p:tagLst>
+</file>
+
+<file path=ppt/tags/tag4.xml><?xml version="1.0" encoding="utf-8"?>
+<p:tagLst xmlns:p="http://schemas.openxmlformats.org/presentationml/2006/main">
+  <p:tag name="KSO_WM_BEAUTIFY_FLAG" val=""/>
+</p:tagLst>
+</file>
+
+<file path=ppt/tags/tag5.xml><?xml version="1.0" encoding="utf-8"?>
+<p:tagLst xmlns:p="http://schemas.openxmlformats.org/presentationml/2006/main">
+  <p:tag name="commondata" val="eyJoZGlkIjoiNWQ3YjNmMGIzNTY5ZmM3YTMxMDdmYmVlMGM2N2RhZjEifQ=="/>
+</p:tagLst>
 </file>
 
 <file path=ppt/theme/theme1.xml><?xml version="1.0" encoding="utf-8"?>
@@ -7098,7 +7053,7 @@
     </a:clrScheme>
     <a:fontScheme name="Office">
       <a:majorFont>
-        <a:latin typeface="等线 Light" panose="020F0302020204030204"/>
+        <a:latin typeface="等线 Light"/>
         <a:ea typeface=""/>
         <a:cs typeface=""/>
         <a:font script="Jpan" typeface="游ゴシック Light"/>
@@ -7131,26 +7086,9 @@
         <a:font script="Viet" typeface="Times New Roman"/>
         <a:font script="Uigh" typeface="Microsoft Uighur"/>
         <a:font script="Geor" typeface="Sylfaen"/>
-        <a:font script="Armn" typeface="Arial"/>
-        <a:font script="Bugi" typeface="Leelawadee UI"/>
-        <a:font script="Bopo" typeface="Microsoft JhengHei"/>
-        <a:font script="Java" typeface="Javanese Text"/>
-        <a:font script="Lisu" typeface="Segoe UI"/>
-        <a:font script="Mymr" typeface="Myanmar Text"/>
-        <a:font script="Nkoo" typeface="Ebrima"/>
-        <a:font script="Olck" typeface="Nirmala UI"/>
-        <a:font script="Osma" typeface="Ebrima"/>
-        <a:font script="Phag" typeface="Phagspa"/>
-        <a:font script="Syrn" typeface="Estrangelo Edessa"/>
-        <a:font script="Syrj" typeface="Estrangelo Edessa"/>
-        <a:font script="Syre" typeface="Estrangelo Edessa"/>
-        <a:font script="Sora" typeface="Nirmala UI"/>
-        <a:font script="Tale" typeface="Microsoft Tai Le"/>
-        <a:font script="Talu" typeface="Microsoft New Tai Lue"/>
-        <a:font script="Tfng" typeface="Ebrima"/>
       </a:majorFont>
       <a:minorFont>
-        <a:latin typeface="等线" panose="020F0502020204030204"/>
+        <a:latin typeface="等线"/>
         <a:ea typeface=""/>
         <a:cs typeface=""/>
         <a:font script="Jpan" typeface="游ゴシック"/>
@@ -7183,23 +7121,6 @@
         <a:font script="Viet" typeface="Arial"/>
         <a:font script="Uigh" typeface="Microsoft Uighur"/>
         <a:font script="Geor" typeface="Sylfaen"/>
-        <a:font script="Armn" typeface="Arial"/>
-        <a:font script="Bugi" typeface="Leelawadee UI"/>
-        <a:font script="Bopo" typeface="Microsoft JhengHei"/>
-        <a:font script="Java" typeface="Javanese Text"/>
-        <a:font script="Lisu" typeface="Segoe UI"/>
-        <a:font script="Mymr" typeface="Myanmar Text"/>
-        <a:font script="Nkoo" typeface="Ebrima"/>
-        <a:font script="Olck" typeface="Nirmala UI"/>
-        <a:font script="Osma" typeface="Ebrima"/>
-        <a:font script="Phag" typeface="Phagspa"/>
-        <a:font script="Syrn" typeface="Estrangelo Edessa"/>
-        <a:font script="Syrj" typeface="Estrangelo Edessa"/>
-        <a:font script="Syre" typeface="Estrangelo Edessa"/>
-        <a:font script="Sora" typeface="Nirmala UI"/>
-        <a:font script="Tale" typeface="Microsoft Tai Le"/>
-        <a:font script="Talu" typeface="Microsoft New Tai Lue"/>
-        <a:font script="Tfng" typeface="Ebrima"/>
       </a:minorFont>
     </a:fontScheme>
     <a:fmtScheme name="Office">
@@ -7340,8 +7261,6 @@
       </a:bgFillStyleLst>
     </a:fmtScheme>
   </a:themeElements>
-  <a:objectDefaults/>
-  <a:extraClrSchemeLst/>
   <a:extLst>
     <a:ext uri="{05A4C25C-085E-4340-85A3-A5531E510DB2}">
       <thm15:themeFamily xmlns:thm15="http://schemas.microsoft.com/office/thememl/2012/main" name="Office Theme" id="{62F939B6-93AF-4DB8-9C6B-D6C7DFDC589F}" vid="{4A3C46E8-61CC-4603-A589-7422A47A8E4A}"/>
